--- a/list of content.pptx
+++ b/list of content.pptx
@@ -8,6 +8,7 @@
     <p:sldId id="256" r:id="rId2"/>
     <p:sldId id="257" r:id="rId3"/>
     <p:sldId id="258" r:id="rId4"/>
+    <p:sldId id="259" r:id="rId5"/>
   </p:sldIdLst>
   <p:sldSz cx="12192000" cy="6858000"/>
   <p:notesSz cx="6858000" cy="9144000"/>
@@ -263,7 +264,7 @@
           <a:p>
             <a:fld id="{050A5A58-8BC4-784F-BC52-66E2DF9AEBAB}" type="datetimeFigureOut">
               <a:rPr lang="en-IR" smtClean="0"/>
-              <a:t>4/15/2025 R</a:t>
+              <a:t>4/17/2025 R</a:t>
             </a:fld>
             <a:endParaRPr lang="en-IR"/>
           </a:p>
@@ -463,7 +464,7 @@
           <a:p>
             <a:fld id="{050A5A58-8BC4-784F-BC52-66E2DF9AEBAB}" type="datetimeFigureOut">
               <a:rPr lang="en-IR" smtClean="0"/>
-              <a:t>4/15/2025 R</a:t>
+              <a:t>4/17/2025 R</a:t>
             </a:fld>
             <a:endParaRPr lang="en-IR"/>
           </a:p>
@@ -673,7 +674,7 @@
           <a:p>
             <a:fld id="{050A5A58-8BC4-784F-BC52-66E2DF9AEBAB}" type="datetimeFigureOut">
               <a:rPr lang="en-IR" smtClean="0"/>
-              <a:t>4/15/2025 R</a:t>
+              <a:t>4/17/2025 R</a:t>
             </a:fld>
             <a:endParaRPr lang="en-IR"/>
           </a:p>
@@ -873,7 +874,7 @@
           <a:p>
             <a:fld id="{050A5A58-8BC4-784F-BC52-66E2DF9AEBAB}" type="datetimeFigureOut">
               <a:rPr lang="en-IR" smtClean="0"/>
-              <a:t>4/15/2025 R</a:t>
+              <a:t>4/17/2025 R</a:t>
             </a:fld>
             <a:endParaRPr lang="en-IR"/>
           </a:p>
@@ -1149,7 +1150,7 @@
           <a:p>
             <a:fld id="{050A5A58-8BC4-784F-BC52-66E2DF9AEBAB}" type="datetimeFigureOut">
               <a:rPr lang="en-IR" smtClean="0"/>
-              <a:t>4/15/2025 R</a:t>
+              <a:t>4/17/2025 R</a:t>
             </a:fld>
             <a:endParaRPr lang="en-IR"/>
           </a:p>
@@ -1417,7 +1418,7 @@
           <a:p>
             <a:fld id="{050A5A58-8BC4-784F-BC52-66E2DF9AEBAB}" type="datetimeFigureOut">
               <a:rPr lang="en-IR" smtClean="0"/>
-              <a:t>4/15/2025 R</a:t>
+              <a:t>4/17/2025 R</a:t>
             </a:fld>
             <a:endParaRPr lang="en-IR"/>
           </a:p>
@@ -1832,7 +1833,7 @@
           <a:p>
             <a:fld id="{050A5A58-8BC4-784F-BC52-66E2DF9AEBAB}" type="datetimeFigureOut">
               <a:rPr lang="en-IR" smtClean="0"/>
-              <a:t>4/15/2025 R</a:t>
+              <a:t>4/17/2025 R</a:t>
             </a:fld>
             <a:endParaRPr lang="en-IR"/>
           </a:p>
@@ -1974,7 +1975,7 @@
           <a:p>
             <a:fld id="{050A5A58-8BC4-784F-BC52-66E2DF9AEBAB}" type="datetimeFigureOut">
               <a:rPr lang="en-IR" smtClean="0"/>
-              <a:t>4/15/2025 R</a:t>
+              <a:t>4/17/2025 R</a:t>
             </a:fld>
             <a:endParaRPr lang="en-IR"/>
           </a:p>
@@ -2087,7 +2088,7 @@
           <a:p>
             <a:fld id="{050A5A58-8BC4-784F-BC52-66E2DF9AEBAB}" type="datetimeFigureOut">
               <a:rPr lang="en-IR" smtClean="0"/>
-              <a:t>4/15/2025 R</a:t>
+              <a:t>4/17/2025 R</a:t>
             </a:fld>
             <a:endParaRPr lang="en-IR"/>
           </a:p>
@@ -2400,7 +2401,7 @@
           <a:p>
             <a:fld id="{050A5A58-8BC4-784F-BC52-66E2DF9AEBAB}" type="datetimeFigureOut">
               <a:rPr lang="en-IR" smtClean="0"/>
-              <a:t>4/15/2025 R</a:t>
+              <a:t>4/17/2025 R</a:t>
             </a:fld>
             <a:endParaRPr lang="en-IR"/>
           </a:p>
@@ -2689,7 +2690,7 @@
           <a:p>
             <a:fld id="{050A5A58-8BC4-784F-BC52-66E2DF9AEBAB}" type="datetimeFigureOut">
               <a:rPr lang="en-IR" smtClean="0"/>
-              <a:t>4/15/2025 R</a:t>
+              <a:t>4/17/2025 R</a:t>
             </a:fld>
             <a:endParaRPr lang="en-IR"/>
           </a:p>
@@ -2932,7 +2933,7 @@
           <a:p>
             <a:fld id="{050A5A58-8BC4-784F-BC52-66E2DF9AEBAB}" type="datetimeFigureOut">
               <a:rPr lang="en-IR" smtClean="0"/>
-              <a:t>4/15/2025 R</a:t>
+              <a:t>4/17/2025 R</a:t>
             </a:fld>
             <a:endParaRPr lang="en-IR"/>
           </a:p>
@@ -3848,6 +3849,112 @@
         <p:spPr>
           <a:xfrm>
             <a:off x="6325399" y="667656"/>
+            <a:ext cx="5569058" cy="2308324"/>
+          </a:xfrm>
+          <a:prstGeom prst="rect">
+            <a:avLst/>
+          </a:prstGeom>
+          <a:noFill/>
+        </p:spPr>
+        <p:txBody>
+          <a:bodyPr wrap="square" rtlCol="0">
+            <a:spAutoFit/>
+          </a:bodyPr>
+          <a:lstStyle/>
+          <a:p>
+            <a:r>
+              <a:rPr lang="en-IR" sz="3200" b="1" dirty="0"/>
+              <a:t>Sec_4:</a:t>
+            </a:r>
+          </a:p>
+          <a:p>
+            <a:pPr marL="457200" indent="-457200">
+              <a:buFont typeface="Arial" panose="020B0604020202020204" pitchFamily="34" charset="0"/>
+              <a:buChar char="•"/>
+            </a:pPr>
+            <a:r>
+              <a:rPr lang="en-US" sz="2800" dirty="0"/>
+              <a:t>AVG, MAX &amp; MIN</a:t>
+            </a:r>
+          </a:p>
+          <a:p>
+            <a:pPr marL="457200" indent="-457200">
+              <a:buFont typeface="Arial" panose="020B0604020202020204" pitchFamily="34" charset="0"/>
+              <a:buChar char="•"/>
+            </a:pPr>
+            <a:r>
+              <a:rPr lang="en-US" sz="2800" dirty="0"/>
+              <a:t>SUM, COUNT, GROUP BY</a:t>
+            </a:r>
+          </a:p>
+          <a:p>
+            <a:pPr marL="457200" indent="-457200">
+              <a:buFont typeface="Arial" panose="020B0604020202020204" pitchFamily="34" charset="0"/>
+              <a:buChar char="•"/>
+            </a:pPr>
+            <a:r>
+              <a:rPr lang="en-US" sz="2800" dirty="0"/>
+              <a:t>HAVING</a:t>
+            </a:r>
+          </a:p>
+          <a:p>
+            <a:pPr marL="457200" indent="-457200">
+              <a:buFont typeface="Arial" panose="020B0604020202020204" pitchFamily="34" charset="0"/>
+              <a:buChar char="•"/>
+            </a:pPr>
+            <a:r>
+              <a:rPr lang="en-US" sz="2800" dirty="0"/>
+              <a:t>ROLLUP</a:t>
+            </a:r>
+            <a:endParaRPr lang="en-IR" sz="2800" dirty="0"/>
+          </a:p>
+        </p:txBody>
+      </p:sp>
+    </p:spTree>
+    <p:extLst>
+      <p:ext uri="{BB962C8B-B14F-4D97-AF65-F5344CB8AC3E}">
+        <p14:creationId xmlns:p14="http://schemas.microsoft.com/office/powerpoint/2010/main" val="4216380236"/>
+      </p:ext>
+    </p:extLst>
+  </p:cSld>
+  <p:clrMapOvr>
+    <a:masterClrMapping/>
+  </p:clrMapOvr>
+</p:sld>
+</file>
+
+<file path=ppt/slides/slide4.xml><?xml version="1.0" encoding="utf-8"?>
+<p:sld xmlns:a="http://schemas.openxmlformats.org/drawingml/2006/main" xmlns:r="http://schemas.openxmlformats.org/officeDocument/2006/relationships" xmlns:p="http://schemas.openxmlformats.org/presentationml/2006/main">
+  <p:cSld>
+    <p:spTree>
+      <p:nvGrpSpPr>
+        <p:cNvPr id="1" name=""/>
+        <p:cNvGrpSpPr/>
+        <p:nvPr/>
+      </p:nvGrpSpPr>
+      <p:grpSpPr>
+        <a:xfrm>
+          <a:off x="0" y="0"/>
+          <a:ext cx="0" cy="0"/>
+          <a:chOff x="0" y="0"/>
+          <a:chExt cx="0" cy="0"/>
+        </a:xfrm>
+      </p:grpSpPr>
+      <p:sp>
+        <p:nvSpPr>
+          <p:cNvPr id="4" name="TextBox 3">
+            <a:extLst>
+              <a:ext uri="{FF2B5EF4-FFF2-40B4-BE49-F238E27FC236}">
+                <a16:creationId xmlns:a16="http://schemas.microsoft.com/office/drawing/2014/main" id="{68B40914-FC78-1947-A2FC-8B0EC381EDC3}"/>
+              </a:ext>
+            </a:extLst>
+          </p:cNvPr>
+          <p:cNvSpPr txBox="1"/>
+          <p:nvPr/>
+        </p:nvSpPr>
+        <p:spPr>
+          <a:xfrm>
+            <a:off x="526942" y="667657"/>
             <a:ext cx="5569058" cy="1015663"/>
           </a:xfrm>
           <a:prstGeom prst="rect">
@@ -3862,8 +3969,12 @@
           <a:lstStyle/>
           <a:p>
             <a:r>
+              <a:rPr lang="en-US" sz="3200" b="1" dirty="0"/>
+              <a:t>S</a:t>
+            </a:r>
+            <a:r>
               <a:rPr lang="en-IR" sz="3200" b="1" dirty="0"/>
-              <a:t>Sec_4:</a:t>
+              <a:t>ec_5:</a:t>
             </a:r>
           </a:p>
           <a:p>
@@ -3879,10 +3990,56 @@
           </a:p>
         </p:txBody>
       </p:sp>
+      <p:sp>
+        <p:nvSpPr>
+          <p:cNvPr id="3" name="TextBox 2">
+            <a:extLst>
+              <a:ext uri="{FF2B5EF4-FFF2-40B4-BE49-F238E27FC236}">
+                <a16:creationId xmlns:a16="http://schemas.microsoft.com/office/drawing/2014/main" id="{B160C3F9-B0F1-074C-89E7-0E4D46CFC352}"/>
+              </a:ext>
+            </a:extLst>
+          </p:cNvPr>
+          <p:cNvSpPr txBox="1"/>
+          <p:nvPr/>
+        </p:nvSpPr>
+        <p:spPr>
+          <a:xfrm>
+            <a:off x="6325399" y="667656"/>
+            <a:ext cx="5569058" cy="1015663"/>
+          </a:xfrm>
+          <a:prstGeom prst="rect">
+            <a:avLst/>
+          </a:prstGeom>
+          <a:noFill/>
+        </p:spPr>
+        <p:txBody>
+          <a:bodyPr wrap="square" rtlCol="0">
+            <a:spAutoFit/>
+          </a:bodyPr>
+          <a:lstStyle/>
+          <a:p>
+            <a:r>
+              <a:rPr lang="en-IR" sz="3200" b="1" dirty="0"/>
+              <a:t>Sec_6:</a:t>
+            </a:r>
+          </a:p>
+          <a:p>
+            <a:pPr marL="457200" indent="-457200">
+              <a:buFont typeface="Arial" panose="020B0604020202020204" pitchFamily="34" charset="0"/>
+              <a:buChar char="•"/>
+            </a:pPr>
+            <a:r>
+              <a:rPr lang="en-US" sz="2800" dirty="0"/>
+              <a:t>.</a:t>
+            </a:r>
+            <a:endParaRPr lang="en-IR" sz="2800" dirty="0"/>
+          </a:p>
+        </p:txBody>
+      </p:sp>
     </p:spTree>
     <p:extLst>
       <p:ext uri="{BB962C8B-B14F-4D97-AF65-F5344CB8AC3E}">
-        <p14:creationId xmlns:p14="http://schemas.microsoft.com/office/powerpoint/2010/main" val="4216380236"/>
+        <p14:creationId xmlns:p14="http://schemas.microsoft.com/office/powerpoint/2010/main" val="2793497139"/>
       </p:ext>
     </p:extLst>
   </p:cSld>

--- a/list of content.pptx
+++ b/list of content.pptx
@@ -264,7 +264,7 @@
           <a:p>
             <a:fld id="{050A5A58-8BC4-784F-BC52-66E2DF9AEBAB}" type="datetimeFigureOut">
               <a:rPr lang="en-IR" smtClean="0"/>
-              <a:t>4/17/2025 R</a:t>
+              <a:t>4/20/2025 R</a:t>
             </a:fld>
             <a:endParaRPr lang="en-IR"/>
           </a:p>
@@ -464,7 +464,7 @@
           <a:p>
             <a:fld id="{050A5A58-8BC4-784F-BC52-66E2DF9AEBAB}" type="datetimeFigureOut">
               <a:rPr lang="en-IR" smtClean="0"/>
-              <a:t>4/17/2025 R</a:t>
+              <a:t>4/20/2025 R</a:t>
             </a:fld>
             <a:endParaRPr lang="en-IR"/>
           </a:p>
@@ -674,7 +674,7 @@
           <a:p>
             <a:fld id="{050A5A58-8BC4-784F-BC52-66E2DF9AEBAB}" type="datetimeFigureOut">
               <a:rPr lang="en-IR" smtClean="0"/>
-              <a:t>4/17/2025 R</a:t>
+              <a:t>4/20/2025 R</a:t>
             </a:fld>
             <a:endParaRPr lang="en-IR"/>
           </a:p>
@@ -874,7 +874,7 @@
           <a:p>
             <a:fld id="{050A5A58-8BC4-784F-BC52-66E2DF9AEBAB}" type="datetimeFigureOut">
               <a:rPr lang="en-IR" smtClean="0"/>
-              <a:t>4/17/2025 R</a:t>
+              <a:t>4/20/2025 R</a:t>
             </a:fld>
             <a:endParaRPr lang="en-IR"/>
           </a:p>
@@ -1150,7 +1150,7 @@
           <a:p>
             <a:fld id="{050A5A58-8BC4-784F-BC52-66E2DF9AEBAB}" type="datetimeFigureOut">
               <a:rPr lang="en-IR" smtClean="0"/>
-              <a:t>4/17/2025 R</a:t>
+              <a:t>4/20/2025 R</a:t>
             </a:fld>
             <a:endParaRPr lang="en-IR"/>
           </a:p>
@@ -1418,7 +1418,7 @@
           <a:p>
             <a:fld id="{050A5A58-8BC4-784F-BC52-66E2DF9AEBAB}" type="datetimeFigureOut">
               <a:rPr lang="en-IR" smtClean="0"/>
-              <a:t>4/17/2025 R</a:t>
+              <a:t>4/20/2025 R</a:t>
             </a:fld>
             <a:endParaRPr lang="en-IR"/>
           </a:p>
@@ -1833,7 +1833,7 @@
           <a:p>
             <a:fld id="{050A5A58-8BC4-784F-BC52-66E2DF9AEBAB}" type="datetimeFigureOut">
               <a:rPr lang="en-IR" smtClean="0"/>
-              <a:t>4/17/2025 R</a:t>
+              <a:t>4/20/2025 R</a:t>
             </a:fld>
             <a:endParaRPr lang="en-IR"/>
           </a:p>
@@ -1975,7 +1975,7 @@
           <a:p>
             <a:fld id="{050A5A58-8BC4-784F-BC52-66E2DF9AEBAB}" type="datetimeFigureOut">
               <a:rPr lang="en-IR" smtClean="0"/>
-              <a:t>4/17/2025 R</a:t>
+              <a:t>4/20/2025 R</a:t>
             </a:fld>
             <a:endParaRPr lang="en-IR"/>
           </a:p>
@@ -2088,7 +2088,7 @@
           <a:p>
             <a:fld id="{050A5A58-8BC4-784F-BC52-66E2DF9AEBAB}" type="datetimeFigureOut">
               <a:rPr lang="en-IR" smtClean="0"/>
-              <a:t>4/17/2025 R</a:t>
+              <a:t>4/20/2025 R</a:t>
             </a:fld>
             <a:endParaRPr lang="en-IR"/>
           </a:p>
@@ -2401,7 +2401,7 @@
           <a:p>
             <a:fld id="{050A5A58-8BC4-784F-BC52-66E2DF9AEBAB}" type="datetimeFigureOut">
               <a:rPr lang="en-IR" smtClean="0"/>
-              <a:t>4/17/2025 R</a:t>
+              <a:t>4/20/2025 R</a:t>
             </a:fld>
             <a:endParaRPr lang="en-IR"/>
           </a:p>
@@ -2690,7 +2690,7 @@
           <a:p>
             <a:fld id="{050A5A58-8BC4-784F-BC52-66E2DF9AEBAB}" type="datetimeFigureOut">
               <a:rPr lang="en-IR" smtClean="0"/>
-              <a:t>4/17/2025 R</a:t>
+              <a:t>4/20/2025 R</a:t>
             </a:fld>
             <a:endParaRPr lang="en-IR"/>
           </a:p>
@@ -2933,7 +2933,7 @@
           <a:p>
             <a:fld id="{050A5A58-8BC4-784F-BC52-66E2DF9AEBAB}" type="datetimeFigureOut">
               <a:rPr lang="en-IR" smtClean="0"/>
-              <a:t>4/17/2025 R</a:t>
+              <a:t>4/20/2025 R</a:t>
             </a:fld>
             <a:endParaRPr lang="en-IR"/>
           </a:p>
@@ -3955,7 +3955,7 @@
         <p:spPr>
           <a:xfrm>
             <a:off x="526942" y="667657"/>
-            <a:ext cx="5569058" cy="1015663"/>
+            <a:ext cx="5569058" cy="3600986"/>
           </a:xfrm>
           <a:prstGeom prst="rect">
             <a:avLst/>
@@ -3984,7 +3984,75 @@
             </a:pPr>
             <a:r>
               <a:rPr lang="en-US" sz="2800" dirty="0"/>
-              <a:t>.</a:t>
+              <a:t>Where subquery</a:t>
+            </a:r>
+          </a:p>
+          <a:p>
+            <a:pPr marL="457200" indent="-457200">
+              <a:buFont typeface="Arial" panose="020B0604020202020204" pitchFamily="34" charset="0"/>
+              <a:buChar char="•"/>
+            </a:pPr>
+            <a:r>
+              <a:rPr lang="en-US" sz="2800" dirty="0"/>
+              <a:t>ALL</a:t>
+            </a:r>
+          </a:p>
+          <a:p>
+            <a:pPr marL="457200" indent="-457200">
+              <a:buFont typeface="Arial" panose="020B0604020202020204" pitchFamily="34" charset="0"/>
+              <a:buChar char="•"/>
+            </a:pPr>
+            <a:r>
+              <a:rPr lang="en-US" sz="2800" dirty="0"/>
+              <a:t>ANY</a:t>
+            </a:r>
+          </a:p>
+          <a:p>
+            <a:pPr marL="457200" indent="-457200">
+              <a:buFont typeface="Arial" panose="020B0604020202020204" pitchFamily="34" charset="0"/>
+              <a:buChar char="•"/>
+            </a:pPr>
+            <a:r>
+              <a:rPr lang="en-US" sz="2800" dirty="0"/>
+              <a:t>Correlation</a:t>
+            </a:r>
+          </a:p>
+          <a:p>
+            <a:pPr marL="457200" indent="-457200">
+              <a:buFont typeface="Arial" panose="020B0604020202020204" pitchFamily="34" charset="0"/>
+              <a:buChar char="•"/>
+            </a:pPr>
+            <a:r>
+              <a:rPr lang="en-US" sz="2800" dirty="0"/>
+              <a:t>EXIST</a:t>
+            </a:r>
+          </a:p>
+          <a:p>
+            <a:pPr marL="457200" indent="-457200">
+              <a:buFont typeface="Arial" panose="020B0604020202020204" pitchFamily="34" charset="0"/>
+              <a:buChar char="•"/>
+            </a:pPr>
+            <a:r>
+              <a:rPr lang="en-US" sz="2800" dirty="0"/>
+              <a:t>Select subquery</a:t>
+            </a:r>
+          </a:p>
+          <a:p>
+            <a:pPr marL="457200" indent="-457200">
+              <a:buFont typeface="Arial" panose="020B0604020202020204" pitchFamily="34" charset="0"/>
+              <a:buChar char="•"/>
+            </a:pPr>
+            <a:r>
+              <a:rPr lang="en-US" sz="2800" dirty="0"/>
+              <a:t>F</a:t>
+            </a:r>
+            <a:r>
+              <a:rPr lang="en-US" sz="2800"/>
+              <a:t>rom </a:t>
+            </a:r>
+            <a:r>
+              <a:rPr lang="en-US" sz="2800" dirty="0" err="1"/>
+              <a:t>subquerry</a:t>
             </a:r>
             <a:endParaRPr lang="en-IR" sz="2800" dirty="0"/>
           </a:p>

--- a/list of content.pptx
+++ b/list of content.pptx
@@ -9,6 +9,8 @@
     <p:sldId id="257" r:id="rId3"/>
     <p:sldId id="258" r:id="rId4"/>
     <p:sldId id="259" r:id="rId5"/>
+    <p:sldId id="260" r:id="rId6"/>
+    <p:sldId id="261" r:id="rId7"/>
   </p:sldIdLst>
   <p:sldSz cx="12192000" cy="6858000"/>
   <p:notesSz cx="6858000" cy="9144000"/>
@@ -3954,8 +3956,8 @@
         </p:nvSpPr>
         <p:spPr>
           <a:xfrm>
-            <a:off x="526942" y="667657"/>
-            <a:ext cx="5569058" cy="3600986"/>
+            <a:off x="193113" y="434921"/>
+            <a:ext cx="3203229" cy="3600986"/>
           </a:xfrm>
           <a:prstGeom prst="rect">
             <a:avLst/>
@@ -4044,15 +4046,577 @@
             </a:pPr>
             <a:r>
               <a:rPr lang="en-US" sz="2800" dirty="0"/>
-              <a:t>F</a:t>
-            </a:r>
-            <a:r>
-              <a:rPr lang="en-US" sz="2800"/>
-              <a:t>rom </a:t>
+              <a:t>From </a:t>
             </a:r>
             <a:r>
               <a:rPr lang="en-US" sz="2800" dirty="0" err="1"/>
               <a:t>subquerry</a:t>
+            </a:r>
+            <a:endParaRPr lang="en-IR" sz="2800" dirty="0"/>
+          </a:p>
+        </p:txBody>
+      </p:sp>
+      <p:sp>
+        <p:nvSpPr>
+          <p:cNvPr id="3" name="TextBox 2">
+            <a:extLst>
+              <a:ext uri="{FF2B5EF4-FFF2-40B4-BE49-F238E27FC236}">
+                <a16:creationId xmlns:a16="http://schemas.microsoft.com/office/drawing/2014/main" id="{B160C3F9-B0F1-074C-89E7-0E4D46CFC352}"/>
+              </a:ext>
+            </a:extLst>
+          </p:cNvPr>
+          <p:cNvSpPr txBox="1"/>
+          <p:nvPr/>
+        </p:nvSpPr>
+        <p:spPr>
+          <a:xfrm>
+            <a:off x="3524143" y="434921"/>
+            <a:ext cx="4211972" cy="6186309"/>
+          </a:xfrm>
+          <a:prstGeom prst="rect">
+            <a:avLst/>
+          </a:prstGeom>
+          <a:noFill/>
+        </p:spPr>
+        <p:txBody>
+          <a:bodyPr wrap="square" rtlCol="0">
+            <a:spAutoFit/>
+          </a:bodyPr>
+          <a:lstStyle/>
+          <a:p>
+            <a:r>
+              <a:rPr lang="en-IR" sz="3200" b="1" dirty="0"/>
+              <a:t>Sec_6:</a:t>
+            </a:r>
+          </a:p>
+          <a:p>
+            <a:r>
+              <a:rPr lang="en-US" sz="2800" dirty="0"/>
+              <a:t>numerical functions</a:t>
+            </a:r>
+          </a:p>
+          <a:p>
+            <a:pPr marL="457200" indent="-457200">
+              <a:buFont typeface="Arial" panose="020B0604020202020204" pitchFamily="34" charset="0"/>
+              <a:buChar char="•"/>
+            </a:pPr>
+            <a:r>
+              <a:rPr lang="en-US" sz="2800" dirty="0"/>
+              <a:t>Round, TRUNCATE</a:t>
+            </a:r>
+          </a:p>
+          <a:p>
+            <a:pPr marL="457200" indent="-457200">
+              <a:buFont typeface="Arial" panose="020B0604020202020204" pitchFamily="34" charset="0"/>
+              <a:buChar char="•"/>
+            </a:pPr>
+            <a:r>
+              <a:rPr lang="en-US" sz="2800" dirty="0"/>
+              <a:t>CEILING, FLOOR</a:t>
+            </a:r>
+          </a:p>
+          <a:p>
+            <a:pPr marL="457200" indent="-457200">
+              <a:buFont typeface="Arial" panose="020B0604020202020204" pitchFamily="34" charset="0"/>
+              <a:buChar char="•"/>
+            </a:pPr>
+            <a:r>
+              <a:rPr lang="en-US" sz="2800" dirty="0"/>
+              <a:t>ABS</a:t>
+            </a:r>
+          </a:p>
+          <a:p>
+            <a:pPr marL="457200" indent="-457200">
+              <a:buFont typeface="Arial" panose="020B0604020202020204" pitchFamily="34" charset="0"/>
+              <a:buChar char="•"/>
+            </a:pPr>
+            <a:r>
+              <a:rPr lang="en-US" sz="2800" dirty="0"/>
+              <a:t>RAND</a:t>
+            </a:r>
+          </a:p>
+          <a:p>
+            <a:pPr marL="457200" indent="-457200">
+              <a:buFont typeface="Arial" panose="020B0604020202020204" pitchFamily="34" charset="0"/>
+              <a:buChar char="•"/>
+            </a:pPr>
+            <a:endParaRPr lang="en-US" sz="2800" dirty="0"/>
+          </a:p>
+          <a:p>
+            <a:r>
+              <a:rPr lang="en-US" sz="2800" dirty="0"/>
+              <a:t>numerical functions</a:t>
+            </a:r>
+          </a:p>
+          <a:p>
+            <a:pPr marL="457200" indent="-457200">
+              <a:buFont typeface="Arial" panose="020B0604020202020204" pitchFamily="34" charset="0"/>
+              <a:buChar char="•"/>
+            </a:pPr>
+            <a:r>
+              <a:rPr lang="en-US" sz="2800" dirty="0"/>
+              <a:t>LENGTH</a:t>
+            </a:r>
+          </a:p>
+          <a:p>
+            <a:pPr marL="457200" indent="-457200">
+              <a:buFont typeface="Arial" panose="020B0604020202020204" pitchFamily="34" charset="0"/>
+              <a:buChar char="•"/>
+            </a:pPr>
+            <a:r>
+              <a:rPr lang="en-US" sz="2800" dirty="0"/>
+              <a:t>UPPER, LOWER</a:t>
+            </a:r>
+          </a:p>
+          <a:p>
+            <a:pPr marL="457200" indent="-457200">
+              <a:buFont typeface="Arial" panose="020B0604020202020204" pitchFamily="34" charset="0"/>
+              <a:buChar char="•"/>
+            </a:pPr>
+            <a:r>
+              <a:rPr lang="en-US" sz="2800" dirty="0"/>
+              <a:t>TRIM, LTRIM, RTRIM</a:t>
+            </a:r>
+          </a:p>
+          <a:p>
+            <a:pPr marL="457200" indent="-457200">
+              <a:buFont typeface="Arial" panose="020B0604020202020204" pitchFamily="34" charset="0"/>
+              <a:buChar char="•"/>
+            </a:pPr>
+            <a:r>
+              <a:rPr lang="en-US" sz="2800" dirty="0"/>
+              <a:t>SUBSTRING, LEFT, RIGHT</a:t>
+            </a:r>
+          </a:p>
+          <a:p>
+            <a:pPr marL="457200" indent="-457200">
+              <a:buFont typeface="Arial" panose="020B0604020202020204" pitchFamily="34" charset="0"/>
+              <a:buChar char="•"/>
+            </a:pPr>
+            <a:r>
+              <a:rPr lang="en-US" sz="2800" dirty="0"/>
+              <a:t>LOCATE, REPLACE</a:t>
+            </a:r>
+          </a:p>
+          <a:p>
+            <a:pPr marL="457200" indent="-457200">
+              <a:buFont typeface="Arial" panose="020B0604020202020204" pitchFamily="34" charset="0"/>
+              <a:buChar char="•"/>
+            </a:pPr>
+            <a:r>
+              <a:rPr lang="en-US" sz="2800" dirty="0"/>
+              <a:t>CONCAT</a:t>
+            </a:r>
+            <a:endParaRPr lang="en-IR" sz="2800" dirty="0"/>
+          </a:p>
+        </p:txBody>
+      </p:sp>
+      <p:sp>
+        <p:nvSpPr>
+          <p:cNvPr id="5" name="TextBox 4">
+            <a:extLst>
+              <a:ext uri="{FF2B5EF4-FFF2-40B4-BE49-F238E27FC236}">
+                <a16:creationId xmlns:a16="http://schemas.microsoft.com/office/drawing/2014/main" id="{27721AB9-FC34-3B45-8931-FFDE13A95DD4}"/>
+              </a:ext>
+            </a:extLst>
+          </p:cNvPr>
+          <p:cNvSpPr txBox="1"/>
+          <p:nvPr/>
+        </p:nvSpPr>
+        <p:spPr>
+          <a:xfrm>
+            <a:off x="7736115" y="896586"/>
+            <a:ext cx="4455885" cy="4832092"/>
+          </a:xfrm>
+          <a:prstGeom prst="rect">
+            <a:avLst/>
+          </a:prstGeom>
+          <a:noFill/>
+        </p:spPr>
+        <p:txBody>
+          <a:bodyPr wrap="square" rtlCol="0">
+            <a:spAutoFit/>
+          </a:bodyPr>
+          <a:lstStyle/>
+          <a:p>
+            <a:r>
+              <a:rPr lang="en-US" sz="2800" dirty="0"/>
+              <a:t>date &amp; time functions</a:t>
+            </a:r>
+          </a:p>
+          <a:p>
+            <a:pPr marL="457200" indent="-457200">
+              <a:buFont typeface="Arial" panose="020B0604020202020204" pitchFamily="34" charset="0"/>
+              <a:buChar char="•"/>
+            </a:pPr>
+            <a:r>
+              <a:rPr lang="en-US" sz="2800" dirty="0"/>
+              <a:t>NOW, CURDATE, CURTIME</a:t>
+            </a:r>
+          </a:p>
+          <a:p>
+            <a:pPr marL="457200" indent="-457200">
+              <a:buFont typeface="Arial" panose="020B0604020202020204" pitchFamily="34" charset="0"/>
+              <a:buChar char="•"/>
+            </a:pPr>
+            <a:r>
+              <a:rPr lang="en-US" sz="2800" dirty="0"/>
+              <a:t>YEAR, MONTH, DAY</a:t>
+            </a:r>
+          </a:p>
+          <a:p>
+            <a:pPr marL="457200" indent="-457200">
+              <a:buFont typeface="Arial" panose="020B0604020202020204" pitchFamily="34" charset="0"/>
+              <a:buChar char="•"/>
+            </a:pPr>
+            <a:r>
+              <a:rPr lang="en-US" sz="2800" dirty="0"/>
+              <a:t>HOUR, MINUTE, SECOND</a:t>
+            </a:r>
+          </a:p>
+          <a:p>
+            <a:pPr marL="457200" indent="-457200">
+              <a:buFont typeface="Arial" panose="020B0604020202020204" pitchFamily="34" charset="0"/>
+              <a:buChar char="•"/>
+            </a:pPr>
+            <a:r>
+              <a:rPr lang="en-US" sz="2800" dirty="0"/>
+              <a:t>MONTHNAME, DAYNAME</a:t>
+            </a:r>
+          </a:p>
+          <a:p>
+            <a:pPr marL="457200" indent="-457200">
+              <a:buFont typeface="Arial" panose="020B0604020202020204" pitchFamily="34" charset="0"/>
+              <a:buChar char="•"/>
+            </a:pPr>
+            <a:r>
+              <a:rPr lang="en-US" sz="2800" dirty="0"/>
+              <a:t>EXTRACT</a:t>
+            </a:r>
+          </a:p>
+          <a:p>
+            <a:pPr marL="457200" indent="-457200">
+              <a:buFont typeface="Arial" panose="020B0604020202020204" pitchFamily="34" charset="0"/>
+              <a:buChar char="•"/>
+            </a:pPr>
+            <a:r>
+              <a:rPr lang="en-US" sz="2800" dirty="0"/>
+              <a:t>DATE_FORMAT</a:t>
+            </a:r>
+          </a:p>
+          <a:p>
+            <a:pPr marL="457200" indent="-457200">
+              <a:buFont typeface="Arial" panose="020B0604020202020204" pitchFamily="34" charset="0"/>
+              <a:buChar char="•"/>
+            </a:pPr>
+            <a:r>
+              <a:rPr lang="en-US" sz="2800" dirty="0"/>
+              <a:t>DATE_ADD, DATE_SUB</a:t>
+            </a:r>
+          </a:p>
+          <a:p>
+            <a:pPr marL="457200" indent="-457200">
+              <a:buFont typeface="Arial" panose="020B0604020202020204" pitchFamily="34" charset="0"/>
+              <a:buChar char="•"/>
+            </a:pPr>
+            <a:r>
+              <a:rPr lang="en-US" sz="2800" dirty="0"/>
+              <a:t>DATEDIFF</a:t>
+            </a:r>
+          </a:p>
+          <a:p>
+            <a:pPr marL="457200" indent="-457200">
+              <a:buFont typeface="Arial" panose="020B0604020202020204" pitchFamily="34" charset="0"/>
+              <a:buChar char="•"/>
+            </a:pPr>
+            <a:r>
+              <a:rPr lang="en-US" sz="2800" dirty="0"/>
+              <a:t>TIMESTAMPDIFF</a:t>
+            </a:r>
+          </a:p>
+          <a:p>
+            <a:pPr marL="457200" indent="-457200">
+              <a:buFont typeface="Arial" panose="020B0604020202020204" pitchFamily="34" charset="0"/>
+              <a:buChar char="•"/>
+            </a:pPr>
+            <a:r>
+              <a:rPr lang="en-US" sz="2800" dirty="0"/>
+              <a:t>TIME_TO_SEC</a:t>
+            </a:r>
+            <a:endParaRPr lang="en-IR" sz="2800" dirty="0"/>
+          </a:p>
+        </p:txBody>
+      </p:sp>
+    </p:spTree>
+    <p:extLst>
+      <p:ext uri="{BB962C8B-B14F-4D97-AF65-F5344CB8AC3E}">
+        <p14:creationId xmlns:p14="http://schemas.microsoft.com/office/powerpoint/2010/main" val="2793497139"/>
+      </p:ext>
+    </p:extLst>
+  </p:cSld>
+  <p:clrMapOvr>
+    <a:masterClrMapping/>
+  </p:clrMapOvr>
+</p:sld>
+</file>
+
+<file path=ppt/slides/slide5.xml><?xml version="1.0" encoding="utf-8"?>
+<p:sld xmlns:a="http://schemas.openxmlformats.org/drawingml/2006/main" xmlns:r="http://schemas.openxmlformats.org/officeDocument/2006/relationships" xmlns:p="http://schemas.openxmlformats.org/presentationml/2006/main">
+  <p:cSld>
+    <p:spTree>
+      <p:nvGrpSpPr>
+        <p:cNvPr id="1" name=""/>
+        <p:cNvGrpSpPr/>
+        <p:nvPr/>
+      </p:nvGrpSpPr>
+      <p:grpSpPr>
+        <a:xfrm>
+          <a:off x="0" y="0"/>
+          <a:ext cx="0" cy="0"/>
+          <a:chOff x="0" y="0"/>
+          <a:chExt cx="0" cy="0"/>
+        </a:xfrm>
+      </p:grpSpPr>
+      <p:sp>
+        <p:nvSpPr>
+          <p:cNvPr id="4" name="TextBox 3">
+            <a:extLst>
+              <a:ext uri="{FF2B5EF4-FFF2-40B4-BE49-F238E27FC236}">
+                <a16:creationId xmlns:a16="http://schemas.microsoft.com/office/drawing/2014/main" id="{68B40914-FC78-1947-A2FC-8B0EC381EDC3}"/>
+              </a:ext>
+            </a:extLst>
+          </p:cNvPr>
+          <p:cNvSpPr txBox="1"/>
+          <p:nvPr/>
+        </p:nvSpPr>
+        <p:spPr>
+          <a:xfrm>
+            <a:off x="526942" y="667657"/>
+            <a:ext cx="4030544" cy="2308324"/>
+          </a:xfrm>
+          <a:prstGeom prst="rect">
+            <a:avLst/>
+          </a:prstGeom>
+          <a:noFill/>
+        </p:spPr>
+        <p:txBody>
+          <a:bodyPr wrap="square" rtlCol="0">
+            <a:spAutoFit/>
+          </a:bodyPr>
+          <a:lstStyle/>
+          <a:p>
+            <a:r>
+              <a:rPr lang="en-US" sz="3200" b="1" dirty="0"/>
+              <a:t>S</a:t>
+            </a:r>
+            <a:r>
+              <a:rPr lang="en-IR" sz="3200" b="1" dirty="0"/>
+              <a:t>ec_6:</a:t>
+            </a:r>
+          </a:p>
+          <a:p>
+            <a:pPr marL="457200" indent="-457200">
+              <a:buFont typeface="Arial" panose="020B0604020202020204" pitchFamily="34" charset="0"/>
+              <a:buChar char="•"/>
+            </a:pPr>
+            <a:r>
+              <a:rPr lang="en-US" sz="2800" dirty="0"/>
+              <a:t>IFNULL</a:t>
+            </a:r>
+          </a:p>
+          <a:p>
+            <a:pPr marL="457200" indent="-457200">
+              <a:buFont typeface="Arial" panose="020B0604020202020204" pitchFamily="34" charset="0"/>
+              <a:buChar char="•"/>
+            </a:pPr>
+            <a:r>
+              <a:rPr lang="en-US" sz="2800" dirty="0"/>
+              <a:t>COALESCE</a:t>
+            </a:r>
+          </a:p>
+          <a:p>
+            <a:pPr marL="457200" indent="-457200">
+              <a:buFont typeface="Arial" panose="020B0604020202020204" pitchFamily="34" charset="0"/>
+              <a:buChar char="•"/>
+            </a:pPr>
+            <a:r>
+              <a:rPr lang="en-US" sz="2800" dirty="0"/>
+              <a:t>IF</a:t>
+            </a:r>
+          </a:p>
+          <a:p>
+            <a:pPr marL="457200" indent="-457200">
+              <a:buFont typeface="Arial" panose="020B0604020202020204" pitchFamily="34" charset="0"/>
+              <a:buChar char="•"/>
+            </a:pPr>
+            <a:r>
+              <a:rPr lang="en-US" sz="2800" dirty="0"/>
+              <a:t>CASE (WHEN, THEN)</a:t>
+            </a:r>
+            <a:endParaRPr lang="en-IR" sz="2800" dirty="0"/>
+          </a:p>
+        </p:txBody>
+      </p:sp>
+      <p:sp>
+        <p:nvSpPr>
+          <p:cNvPr id="3" name="TextBox 2">
+            <a:extLst>
+              <a:ext uri="{FF2B5EF4-FFF2-40B4-BE49-F238E27FC236}">
+                <a16:creationId xmlns:a16="http://schemas.microsoft.com/office/drawing/2014/main" id="{B160C3F9-B0F1-074C-89E7-0E4D46CFC352}"/>
+              </a:ext>
+            </a:extLst>
+          </p:cNvPr>
+          <p:cNvSpPr txBox="1"/>
+          <p:nvPr/>
+        </p:nvSpPr>
+        <p:spPr>
+          <a:xfrm>
+            <a:off x="6325399" y="667656"/>
+            <a:ext cx="5569058" cy="2308324"/>
+          </a:xfrm>
+          <a:prstGeom prst="rect">
+            <a:avLst/>
+          </a:prstGeom>
+          <a:noFill/>
+        </p:spPr>
+        <p:txBody>
+          <a:bodyPr wrap="square" rtlCol="0">
+            <a:spAutoFit/>
+          </a:bodyPr>
+          <a:lstStyle/>
+          <a:p>
+            <a:r>
+              <a:rPr lang="en-IR" sz="3200" b="1" dirty="0"/>
+              <a:t>Sec_7:</a:t>
+            </a:r>
+            <a:r>
+              <a:rPr lang="fa-IR" sz="3200" b="1" dirty="0"/>
+              <a:t> </a:t>
+            </a:r>
+            <a:r>
+              <a:rPr lang="en-US" sz="3200" b="1" dirty="0"/>
+              <a:t>(VIEW)</a:t>
+            </a:r>
+            <a:endParaRPr lang="en-IR" sz="3200" b="1" dirty="0"/>
+          </a:p>
+          <a:p>
+            <a:pPr marL="457200" indent="-457200">
+              <a:buFont typeface="Arial" panose="020B0604020202020204" pitchFamily="34" charset="0"/>
+              <a:buChar char="•"/>
+            </a:pPr>
+            <a:r>
+              <a:rPr lang="en-US" sz="2800" dirty="0"/>
+              <a:t>CREATE</a:t>
+            </a:r>
+          </a:p>
+          <a:p>
+            <a:pPr marL="457200" indent="-457200">
+              <a:buFont typeface="Arial" panose="020B0604020202020204" pitchFamily="34" charset="0"/>
+              <a:buChar char="•"/>
+            </a:pPr>
+            <a:r>
+              <a:rPr lang="en-US" sz="2800" dirty="0"/>
+              <a:t>CREATE OR REPLACE</a:t>
+            </a:r>
+          </a:p>
+          <a:p>
+            <a:pPr marL="457200" indent="-457200">
+              <a:buFont typeface="Arial" panose="020B0604020202020204" pitchFamily="34" charset="0"/>
+              <a:buChar char="•"/>
+            </a:pPr>
+            <a:r>
+              <a:rPr lang="en-US" sz="2800" dirty="0"/>
+              <a:t>DROP VIEW</a:t>
+            </a:r>
+          </a:p>
+          <a:p>
+            <a:pPr marL="457200" indent="-457200">
+              <a:buFont typeface="Arial" panose="020B0604020202020204" pitchFamily="34" charset="0"/>
+              <a:buChar char="•"/>
+            </a:pPr>
+            <a:r>
+              <a:rPr lang="en-US" sz="2800"/>
+              <a:t>updateable view</a:t>
+            </a:r>
+            <a:endParaRPr lang="en-IR" sz="2800" dirty="0"/>
+          </a:p>
+        </p:txBody>
+      </p:sp>
+    </p:spTree>
+    <p:extLst>
+      <p:ext uri="{BB962C8B-B14F-4D97-AF65-F5344CB8AC3E}">
+        <p14:creationId xmlns:p14="http://schemas.microsoft.com/office/powerpoint/2010/main" val="3382803035"/>
+      </p:ext>
+    </p:extLst>
+  </p:cSld>
+  <p:clrMapOvr>
+    <a:masterClrMapping/>
+  </p:clrMapOvr>
+</p:sld>
+</file>
+
+<file path=ppt/slides/slide6.xml><?xml version="1.0" encoding="utf-8"?>
+<p:sld xmlns:a="http://schemas.openxmlformats.org/drawingml/2006/main" xmlns:r="http://schemas.openxmlformats.org/officeDocument/2006/relationships" xmlns:p="http://schemas.openxmlformats.org/presentationml/2006/main">
+  <p:cSld>
+    <p:spTree>
+      <p:nvGrpSpPr>
+        <p:cNvPr id="1" name=""/>
+        <p:cNvGrpSpPr/>
+        <p:nvPr/>
+      </p:nvGrpSpPr>
+      <p:grpSpPr>
+        <a:xfrm>
+          <a:off x="0" y="0"/>
+          <a:ext cx="0" cy="0"/>
+          <a:chOff x="0" y="0"/>
+          <a:chExt cx="0" cy="0"/>
+        </a:xfrm>
+      </p:grpSpPr>
+      <p:sp>
+        <p:nvSpPr>
+          <p:cNvPr id="4" name="TextBox 3">
+            <a:extLst>
+              <a:ext uri="{FF2B5EF4-FFF2-40B4-BE49-F238E27FC236}">
+                <a16:creationId xmlns:a16="http://schemas.microsoft.com/office/drawing/2014/main" id="{68B40914-FC78-1947-A2FC-8B0EC381EDC3}"/>
+              </a:ext>
+            </a:extLst>
+          </p:cNvPr>
+          <p:cNvSpPr txBox="1"/>
+          <p:nvPr/>
+        </p:nvSpPr>
+        <p:spPr>
+          <a:xfrm>
+            <a:off x="526942" y="667657"/>
+            <a:ext cx="5569058" cy="1015663"/>
+          </a:xfrm>
+          <a:prstGeom prst="rect">
+            <a:avLst/>
+          </a:prstGeom>
+          <a:noFill/>
+        </p:spPr>
+        <p:txBody>
+          <a:bodyPr wrap="square" rtlCol="0">
+            <a:spAutoFit/>
+          </a:bodyPr>
+          <a:lstStyle/>
+          <a:p>
+            <a:r>
+              <a:rPr lang="en-US" sz="3200" b="1" dirty="0"/>
+              <a:t>S</a:t>
+            </a:r>
+            <a:r>
+              <a:rPr lang="en-IR" sz="3200" b="1" dirty="0"/>
+              <a:t>ec_8:</a:t>
+            </a:r>
+          </a:p>
+          <a:p>
+            <a:pPr marL="457200" indent="-457200">
+              <a:buFont typeface="Arial" panose="020B0604020202020204" pitchFamily="34" charset="0"/>
+              <a:buChar char="•"/>
+            </a:pPr>
+            <a:r>
+              <a:rPr lang="en-US" sz="2800" dirty="0"/>
+              <a:t>.</a:t>
             </a:r>
             <a:endParaRPr lang="en-IR" sz="2800" dirty="0"/>
           </a:p>
@@ -4088,7 +4652,7 @@
           <a:p>
             <a:r>
               <a:rPr lang="en-IR" sz="3200" b="1" dirty="0"/>
-              <a:t>Sec_6:</a:t>
+              <a:t>Sec_9:</a:t>
             </a:r>
           </a:p>
           <a:p>
@@ -4107,7 +4671,7 @@
     </p:spTree>
     <p:extLst>
       <p:ext uri="{BB962C8B-B14F-4D97-AF65-F5344CB8AC3E}">
-        <p14:creationId xmlns:p14="http://schemas.microsoft.com/office/powerpoint/2010/main" val="2793497139"/>
+        <p14:creationId xmlns:p14="http://schemas.microsoft.com/office/powerpoint/2010/main" val="1101346565"/>
       </p:ext>
     </p:extLst>
   </p:cSld>

--- a/list of content.pptx
+++ b/list of content.pptx
@@ -266,7 +266,7 @@
           <a:p>
             <a:fld id="{050A5A58-8BC4-784F-BC52-66E2DF9AEBAB}" type="datetimeFigureOut">
               <a:rPr lang="en-IR" smtClean="0"/>
-              <a:t>4/20/2025 R</a:t>
+              <a:t>04/29/2025</a:t>
             </a:fld>
             <a:endParaRPr lang="en-IR"/>
           </a:p>
@@ -466,7 +466,7 @@
           <a:p>
             <a:fld id="{050A5A58-8BC4-784F-BC52-66E2DF9AEBAB}" type="datetimeFigureOut">
               <a:rPr lang="en-IR" smtClean="0"/>
-              <a:t>4/20/2025 R</a:t>
+              <a:t>04/29/2025</a:t>
             </a:fld>
             <a:endParaRPr lang="en-IR"/>
           </a:p>
@@ -676,7 +676,7 @@
           <a:p>
             <a:fld id="{050A5A58-8BC4-784F-BC52-66E2DF9AEBAB}" type="datetimeFigureOut">
               <a:rPr lang="en-IR" smtClean="0"/>
-              <a:t>4/20/2025 R</a:t>
+              <a:t>04/29/2025</a:t>
             </a:fld>
             <a:endParaRPr lang="en-IR"/>
           </a:p>
@@ -876,7 +876,7 @@
           <a:p>
             <a:fld id="{050A5A58-8BC4-784F-BC52-66E2DF9AEBAB}" type="datetimeFigureOut">
               <a:rPr lang="en-IR" smtClean="0"/>
-              <a:t>4/20/2025 R</a:t>
+              <a:t>04/29/2025</a:t>
             </a:fld>
             <a:endParaRPr lang="en-IR"/>
           </a:p>
@@ -1152,7 +1152,7 @@
           <a:p>
             <a:fld id="{050A5A58-8BC4-784F-BC52-66E2DF9AEBAB}" type="datetimeFigureOut">
               <a:rPr lang="en-IR" smtClean="0"/>
-              <a:t>4/20/2025 R</a:t>
+              <a:t>04/29/2025</a:t>
             </a:fld>
             <a:endParaRPr lang="en-IR"/>
           </a:p>
@@ -1420,7 +1420,7 @@
           <a:p>
             <a:fld id="{050A5A58-8BC4-784F-BC52-66E2DF9AEBAB}" type="datetimeFigureOut">
               <a:rPr lang="en-IR" smtClean="0"/>
-              <a:t>4/20/2025 R</a:t>
+              <a:t>04/29/2025</a:t>
             </a:fld>
             <a:endParaRPr lang="en-IR"/>
           </a:p>
@@ -1835,7 +1835,7 @@
           <a:p>
             <a:fld id="{050A5A58-8BC4-784F-BC52-66E2DF9AEBAB}" type="datetimeFigureOut">
               <a:rPr lang="en-IR" smtClean="0"/>
-              <a:t>4/20/2025 R</a:t>
+              <a:t>04/29/2025</a:t>
             </a:fld>
             <a:endParaRPr lang="en-IR"/>
           </a:p>
@@ -1977,7 +1977,7 @@
           <a:p>
             <a:fld id="{050A5A58-8BC4-784F-BC52-66E2DF9AEBAB}" type="datetimeFigureOut">
               <a:rPr lang="en-IR" smtClean="0"/>
-              <a:t>4/20/2025 R</a:t>
+              <a:t>04/29/2025</a:t>
             </a:fld>
             <a:endParaRPr lang="en-IR"/>
           </a:p>
@@ -2090,7 +2090,7 @@
           <a:p>
             <a:fld id="{050A5A58-8BC4-784F-BC52-66E2DF9AEBAB}" type="datetimeFigureOut">
               <a:rPr lang="en-IR" smtClean="0"/>
-              <a:t>4/20/2025 R</a:t>
+              <a:t>04/29/2025</a:t>
             </a:fld>
             <a:endParaRPr lang="en-IR"/>
           </a:p>
@@ -2403,7 +2403,7 @@
           <a:p>
             <a:fld id="{050A5A58-8BC4-784F-BC52-66E2DF9AEBAB}" type="datetimeFigureOut">
               <a:rPr lang="en-IR" smtClean="0"/>
-              <a:t>4/20/2025 R</a:t>
+              <a:t>04/29/2025</a:t>
             </a:fld>
             <a:endParaRPr lang="en-IR"/>
           </a:p>
@@ -2692,7 +2692,7 @@
           <a:p>
             <a:fld id="{050A5A58-8BC4-784F-BC52-66E2DF9AEBAB}" type="datetimeFigureOut">
               <a:rPr lang="en-IR" smtClean="0"/>
-              <a:t>4/20/2025 R</a:t>
+              <a:t>04/29/2025</a:t>
             </a:fld>
             <a:endParaRPr lang="en-IR"/>
           </a:p>
@@ -2935,7 +2935,7 @@
           <a:p>
             <a:fld id="{050A5A58-8BC4-784F-BC52-66E2DF9AEBAB}" type="datetimeFigureOut">
               <a:rPr lang="en-IR" smtClean="0"/>
-              <a:t>4/20/2025 R</a:t>
+              <a:t>04/29/2025</a:t>
             </a:fld>
             <a:endParaRPr lang="en-IR"/>
           </a:p>
@@ -4587,7 +4587,7 @@
         <p:spPr>
           <a:xfrm>
             <a:off x="526942" y="667657"/>
-            <a:ext cx="5569058" cy="1015663"/>
+            <a:ext cx="5569058" cy="3600986"/>
           </a:xfrm>
           <a:prstGeom prst="rect">
             <a:avLst/>
@@ -4608,17 +4608,95 @@
               <a:rPr lang="en-IR" sz="3200" b="1" dirty="0"/>
               <a:t>ec_8:</a:t>
             </a:r>
-          </a:p>
-          <a:p>
-            <a:pPr marL="457200" indent="-457200">
-              <a:buFont typeface="Arial" panose="020B0604020202020204" pitchFamily="34" charset="0"/>
-              <a:buChar char="•"/>
-            </a:pPr>
-            <a:r>
-              <a:rPr lang="en-US" sz="2800" dirty="0"/>
-              <a:t>.</a:t>
-            </a:r>
-            <a:endParaRPr lang="en-IR" sz="2800" dirty="0"/>
+            <a:r>
+              <a:rPr lang="en-US" sz="3200" b="1" dirty="0"/>
+              <a:t> (store procedures)</a:t>
+            </a:r>
+            <a:endParaRPr lang="en-IR" sz="3200" b="1" dirty="0"/>
+          </a:p>
+          <a:p>
+            <a:pPr marL="457200" indent="-457200">
+              <a:buFont typeface="Arial" panose="020B0604020202020204" pitchFamily="34" charset="0"/>
+              <a:buChar char="•"/>
+            </a:pPr>
+            <a:r>
+              <a:rPr lang="en-IR" sz="2800" dirty="0"/>
+              <a:t>CREATE PROCEDURE</a:t>
+            </a:r>
+            <a:endParaRPr lang="fa-IR" sz="2800" dirty="0"/>
+          </a:p>
+          <a:p>
+            <a:pPr marL="457200" indent="-457200">
+              <a:buFont typeface="Arial" panose="020B0604020202020204" pitchFamily="34" charset="0"/>
+              <a:buChar char="•"/>
+            </a:pPr>
+            <a:r>
+              <a:rPr lang="en-IR" sz="2800" dirty="0"/>
+              <a:t>CALL</a:t>
+            </a:r>
+            <a:r>
+              <a:rPr lang="en-US" sz="2800" dirty="0"/>
+              <a:t> &amp; DROP</a:t>
+            </a:r>
+            <a:r>
+              <a:rPr lang="en-IR" sz="2800" dirty="0"/>
+              <a:t> PROCEDURE</a:t>
+            </a:r>
+            <a:endParaRPr lang="en-US" sz="2800" dirty="0"/>
+          </a:p>
+          <a:p>
+            <a:pPr marL="457200" indent="-457200">
+              <a:buFont typeface="Arial" panose="020B0604020202020204" pitchFamily="34" charset="0"/>
+              <a:buChar char="•"/>
+            </a:pPr>
+            <a:r>
+              <a:rPr lang="en-IR" sz="2800" dirty="0"/>
+              <a:t>PROCEDURE with input</a:t>
+            </a:r>
+            <a:endParaRPr lang="en-US" sz="2800" dirty="0"/>
+          </a:p>
+          <a:p>
+            <a:pPr marL="457200" indent="-457200">
+              <a:buFont typeface="Arial" panose="020B0604020202020204" pitchFamily="34" charset="0"/>
+              <a:buChar char="•"/>
+            </a:pPr>
+            <a:r>
+              <a:rPr lang="en-IR" sz="2800" dirty="0"/>
+              <a:t>PROCEDURE with return</a:t>
+            </a:r>
+            <a:endParaRPr lang="en-US" sz="2800" dirty="0"/>
+          </a:p>
+          <a:p>
+            <a:pPr marL="457200" indent="-457200">
+              <a:buFont typeface="Arial" panose="020B0604020202020204" pitchFamily="34" charset="0"/>
+              <a:buChar char="•"/>
+            </a:pPr>
+            <a:r>
+              <a:rPr lang="en-IR" sz="2800" dirty="0"/>
+              <a:t>DECLARE (variable)</a:t>
+            </a:r>
+            <a:endParaRPr lang="en-US" sz="2800" dirty="0"/>
+          </a:p>
+          <a:p>
+            <a:pPr marL="457200" indent="-457200">
+              <a:buFont typeface="Arial" panose="020B0604020202020204" pitchFamily="34" charset="0"/>
+              <a:buChar char="•"/>
+            </a:pPr>
+            <a:r>
+              <a:rPr lang="en-IR" sz="2800" dirty="0"/>
+              <a:t>another example of PROCEDURE</a:t>
+            </a:r>
+            <a:endParaRPr lang="en-US" sz="2800" dirty="0"/>
+          </a:p>
+          <a:p>
+            <a:pPr marL="457200" indent="-457200">
+              <a:buFont typeface="Arial" panose="020B0604020202020204" pitchFamily="34" charset="0"/>
+              <a:buChar char="•"/>
+            </a:pPr>
+            <a:r>
+              <a:rPr lang="en-IR" sz="2800" dirty="0"/>
+              <a:t>FUNCTION</a:t>
+            </a:r>
           </a:p>
         </p:txBody>
       </p:sp>

--- a/list of content.pptx
+++ b/list of content.pptx
@@ -4,6 +4,9 @@
   <p:sldMasterIdLst>
     <p:sldMasterId id="2147483648" r:id="rId1"/>
   </p:sldMasterIdLst>
+  <p:notesMasterIdLst>
+    <p:notesMasterId r:id="rId8"/>
+  </p:notesMasterIdLst>
   <p:sldIdLst>
     <p:sldId id="256" r:id="rId2"/>
     <p:sldId id="257" r:id="rId3"/>
@@ -115,6 +118,439 @@
     </p:ext>
   </p:extLst>
 </p:presentation>
+</file>
+
+<file path=ppt/notesMasters/notesMaster1.xml><?xml version="1.0" encoding="utf-8"?>
+<p:notesMaster xmlns:a="http://schemas.openxmlformats.org/drawingml/2006/main" xmlns:r="http://schemas.openxmlformats.org/officeDocument/2006/relationships" xmlns:p="http://schemas.openxmlformats.org/presentationml/2006/main">
+  <p:cSld>
+    <p:bg>
+      <p:bgRef idx="1001">
+        <a:schemeClr val="bg1"/>
+      </p:bgRef>
+    </p:bg>
+    <p:spTree>
+      <p:nvGrpSpPr>
+        <p:cNvPr id="1" name=""/>
+        <p:cNvGrpSpPr/>
+        <p:nvPr/>
+      </p:nvGrpSpPr>
+      <p:grpSpPr>
+        <a:xfrm>
+          <a:off x="0" y="0"/>
+          <a:ext cx="0" cy="0"/>
+          <a:chOff x="0" y="0"/>
+          <a:chExt cx="0" cy="0"/>
+        </a:xfrm>
+      </p:grpSpPr>
+      <p:sp>
+        <p:nvSpPr>
+          <p:cNvPr id="2" name="Header Placeholder 1"/>
+          <p:cNvSpPr>
+            <a:spLocks noGrp="1"/>
+          </p:cNvSpPr>
+          <p:nvPr>
+            <p:ph type="hdr" sz="quarter"/>
+          </p:nvPr>
+        </p:nvSpPr>
+        <p:spPr>
+          <a:xfrm>
+            <a:off x="0" y="0"/>
+            <a:ext cx="2971800" cy="458788"/>
+          </a:xfrm>
+          <a:prstGeom prst="rect">
+            <a:avLst/>
+          </a:prstGeom>
+        </p:spPr>
+        <p:txBody>
+          <a:bodyPr vert="horz" lIns="91440" tIns="45720" rIns="91440" bIns="45720" rtlCol="0"/>
+          <a:lstStyle>
+            <a:lvl1pPr algn="l">
+              <a:defRPr sz="1200"/>
+            </a:lvl1pPr>
+          </a:lstStyle>
+          <a:p>
+            <a:endParaRPr lang="en-US"/>
+          </a:p>
+        </p:txBody>
+      </p:sp>
+      <p:sp>
+        <p:nvSpPr>
+          <p:cNvPr id="3" name="Date Placeholder 2"/>
+          <p:cNvSpPr>
+            <a:spLocks noGrp="1"/>
+          </p:cNvSpPr>
+          <p:nvPr>
+            <p:ph type="dt" idx="1"/>
+          </p:nvPr>
+        </p:nvSpPr>
+        <p:spPr>
+          <a:xfrm>
+            <a:off x="3884613" y="0"/>
+            <a:ext cx="2971800" cy="458788"/>
+          </a:xfrm>
+          <a:prstGeom prst="rect">
+            <a:avLst/>
+          </a:prstGeom>
+        </p:spPr>
+        <p:txBody>
+          <a:bodyPr vert="horz" lIns="91440" tIns="45720" rIns="91440" bIns="45720" rtlCol="0"/>
+          <a:lstStyle>
+            <a:lvl1pPr algn="r">
+              <a:defRPr sz="1200"/>
+            </a:lvl1pPr>
+          </a:lstStyle>
+          <a:p>
+            <a:fld id="{93FDB545-12BD-49DB-BB1F-990D82B6714A}" type="datetimeFigureOut">
+              <a:rPr lang="en-US" smtClean="0"/>
+              <a:t>4/29/2025</a:t>
+            </a:fld>
+            <a:endParaRPr lang="en-US"/>
+          </a:p>
+        </p:txBody>
+      </p:sp>
+      <p:sp>
+        <p:nvSpPr>
+          <p:cNvPr id="4" name="Slide Image Placeholder 3"/>
+          <p:cNvSpPr>
+            <a:spLocks noGrp="1" noRot="1" noChangeAspect="1"/>
+          </p:cNvSpPr>
+          <p:nvPr>
+            <p:ph type="sldImg" idx="2"/>
+          </p:nvPr>
+        </p:nvSpPr>
+        <p:spPr>
+          <a:xfrm>
+            <a:off x="685800" y="1143000"/>
+            <a:ext cx="5486400" cy="3086100"/>
+          </a:xfrm>
+          <a:prstGeom prst="rect">
+            <a:avLst/>
+          </a:prstGeom>
+          <a:noFill/>
+          <a:ln w="12700">
+            <a:solidFill>
+              <a:prstClr val="black"/>
+            </a:solidFill>
+          </a:ln>
+        </p:spPr>
+        <p:txBody>
+          <a:bodyPr vert="horz" lIns="91440" tIns="45720" rIns="91440" bIns="45720" rtlCol="0" anchor="ctr"/>
+          <a:lstStyle/>
+          <a:p>
+            <a:endParaRPr lang="en-US"/>
+          </a:p>
+        </p:txBody>
+      </p:sp>
+      <p:sp>
+        <p:nvSpPr>
+          <p:cNvPr id="5" name="Notes Placeholder 4"/>
+          <p:cNvSpPr>
+            <a:spLocks noGrp="1"/>
+          </p:cNvSpPr>
+          <p:nvPr>
+            <p:ph type="body" sz="quarter" idx="3"/>
+          </p:nvPr>
+        </p:nvSpPr>
+        <p:spPr>
+          <a:xfrm>
+            <a:off x="685800" y="4400550"/>
+            <a:ext cx="5486400" cy="3600450"/>
+          </a:xfrm>
+          <a:prstGeom prst="rect">
+            <a:avLst/>
+          </a:prstGeom>
+        </p:spPr>
+        <p:txBody>
+          <a:bodyPr vert="horz" lIns="91440" tIns="45720" rIns="91440" bIns="45720" rtlCol="0"/>
+          <a:lstStyle/>
+          <a:p>
+            <a:pPr lvl="0"/>
+            <a:r>
+              <a:rPr lang="en-US"/>
+              <a:t>Click to edit Master text styles</a:t>
+            </a:r>
+          </a:p>
+          <a:p>
+            <a:pPr lvl="1"/>
+            <a:r>
+              <a:rPr lang="en-US"/>
+              <a:t>Second level</a:t>
+            </a:r>
+          </a:p>
+          <a:p>
+            <a:pPr lvl="2"/>
+            <a:r>
+              <a:rPr lang="en-US"/>
+              <a:t>Third level</a:t>
+            </a:r>
+          </a:p>
+          <a:p>
+            <a:pPr lvl="3"/>
+            <a:r>
+              <a:rPr lang="en-US"/>
+              <a:t>Fourth level</a:t>
+            </a:r>
+          </a:p>
+          <a:p>
+            <a:pPr lvl="4"/>
+            <a:r>
+              <a:rPr lang="en-US"/>
+              <a:t>Fifth level</a:t>
+            </a:r>
+          </a:p>
+        </p:txBody>
+      </p:sp>
+      <p:sp>
+        <p:nvSpPr>
+          <p:cNvPr id="6" name="Footer Placeholder 5"/>
+          <p:cNvSpPr>
+            <a:spLocks noGrp="1"/>
+          </p:cNvSpPr>
+          <p:nvPr>
+            <p:ph type="ftr" sz="quarter" idx="4"/>
+          </p:nvPr>
+        </p:nvSpPr>
+        <p:spPr>
+          <a:xfrm>
+            <a:off x="0" y="8685213"/>
+            <a:ext cx="2971800" cy="458787"/>
+          </a:xfrm>
+          <a:prstGeom prst="rect">
+            <a:avLst/>
+          </a:prstGeom>
+        </p:spPr>
+        <p:txBody>
+          <a:bodyPr vert="horz" lIns="91440" tIns="45720" rIns="91440" bIns="45720" rtlCol="0" anchor="b"/>
+          <a:lstStyle>
+            <a:lvl1pPr algn="l">
+              <a:defRPr sz="1200"/>
+            </a:lvl1pPr>
+          </a:lstStyle>
+          <a:p>
+            <a:endParaRPr lang="en-US"/>
+          </a:p>
+        </p:txBody>
+      </p:sp>
+      <p:sp>
+        <p:nvSpPr>
+          <p:cNvPr id="7" name="Slide Number Placeholder 6"/>
+          <p:cNvSpPr>
+            <a:spLocks noGrp="1"/>
+          </p:cNvSpPr>
+          <p:nvPr>
+            <p:ph type="sldNum" sz="quarter" idx="5"/>
+          </p:nvPr>
+        </p:nvSpPr>
+        <p:spPr>
+          <a:xfrm>
+            <a:off x="3884613" y="8685213"/>
+            <a:ext cx="2971800" cy="458787"/>
+          </a:xfrm>
+          <a:prstGeom prst="rect">
+            <a:avLst/>
+          </a:prstGeom>
+        </p:spPr>
+        <p:txBody>
+          <a:bodyPr vert="horz" lIns="91440" tIns="45720" rIns="91440" bIns="45720" rtlCol="0" anchor="b"/>
+          <a:lstStyle>
+            <a:lvl1pPr algn="r">
+              <a:defRPr sz="1200"/>
+            </a:lvl1pPr>
+          </a:lstStyle>
+          <a:p>
+            <a:fld id="{A81309FC-3452-42E0-AAE7-82C925C15324}" type="slidenum">
+              <a:rPr lang="en-US" smtClean="0"/>
+              <a:t>‹#›</a:t>
+            </a:fld>
+            <a:endParaRPr lang="en-US"/>
+          </a:p>
+        </p:txBody>
+      </p:sp>
+    </p:spTree>
+    <p:extLst>
+      <p:ext uri="{BB962C8B-B14F-4D97-AF65-F5344CB8AC3E}">
+        <p14:creationId xmlns:p14="http://schemas.microsoft.com/office/powerpoint/2010/main" val="1332178511"/>
+      </p:ext>
+    </p:extLst>
+  </p:cSld>
+  <p:clrMap bg1="lt1" tx1="dk1" bg2="lt2" tx2="dk2" accent1="accent1" accent2="accent2" accent3="accent3" accent4="accent4" accent5="accent5" accent6="accent6" hlink="hlink" folHlink="folHlink"/>
+  <p:notesStyle>
+    <a:lvl1pPr marL="0" algn="l" defTabSz="914400" rtl="0" eaLnBrk="1" latinLnBrk="0" hangingPunct="1">
+      <a:defRPr sz="1200" kern="1200">
+        <a:solidFill>
+          <a:schemeClr val="tx1"/>
+        </a:solidFill>
+        <a:latin typeface="+mn-lt"/>
+        <a:ea typeface="+mn-ea"/>
+        <a:cs typeface="+mn-cs"/>
+      </a:defRPr>
+    </a:lvl1pPr>
+    <a:lvl2pPr marL="457200" algn="l" defTabSz="914400" rtl="0" eaLnBrk="1" latinLnBrk="0" hangingPunct="1">
+      <a:defRPr sz="1200" kern="1200">
+        <a:solidFill>
+          <a:schemeClr val="tx1"/>
+        </a:solidFill>
+        <a:latin typeface="+mn-lt"/>
+        <a:ea typeface="+mn-ea"/>
+        <a:cs typeface="+mn-cs"/>
+      </a:defRPr>
+    </a:lvl2pPr>
+    <a:lvl3pPr marL="914400" algn="l" defTabSz="914400" rtl="0" eaLnBrk="1" latinLnBrk="0" hangingPunct="1">
+      <a:defRPr sz="1200" kern="1200">
+        <a:solidFill>
+          <a:schemeClr val="tx1"/>
+        </a:solidFill>
+        <a:latin typeface="+mn-lt"/>
+        <a:ea typeface="+mn-ea"/>
+        <a:cs typeface="+mn-cs"/>
+      </a:defRPr>
+    </a:lvl3pPr>
+    <a:lvl4pPr marL="1371600" algn="l" defTabSz="914400" rtl="0" eaLnBrk="1" latinLnBrk="0" hangingPunct="1">
+      <a:defRPr sz="1200" kern="1200">
+        <a:solidFill>
+          <a:schemeClr val="tx1"/>
+        </a:solidFill>
+        <a:latin typeface="+mn-lt"/>
+        <a:ea typeface="+mn-ea"/>
+        <a:cs typeface="+mn-cs"/>
+      </a:defRPr>
+    </a:lvl4pPr>
+    <a:lvl5pPr marL="1828800" algn="l" defTabSz="914400" rtl="0" eaLnBrk="1" latinLnBrk="0" hangingPunct="1">
+      <a:defRPr sz="1200" kern="1200">
+        <a:solidFill>
+          <a:schemeClr val="tx1"/>
+        </a:solidFill>
+        <a:latin typeface="+mn-lt"/>
+        <a:ea typeface="+mn-ea"/>
+        <a:cs typeface="+mn-cs"/>
+      </a:defRPr>
+    </a:lvl5pPr>
+    <a:lvl6pPr marL="2286000" algn="l" defTabSz="914400" rtl="0" eaLnBrk="1" latinLnBrk="0" hangingPunct="1">
+      <a:defRPr sz="1200" kern="1200">
+        <a:solidFill>
+          <a:schemeClr val="tx1"/>
+        </a:solidFill>
+        <a:latin typeface="+mn-lt"/>
+        <a:ea typeface="+mn-ea"/>
+        <a:cs typeface="+mn-cs"/>
+      </a:defRPr>
+    </a:lvl6pPr>
+    <a:lvl7pPr marL="2743200" algn="l" defTabSz="914400" rtl="0" eaLnBrk="1" latinLnBrk="0" hangingPunct="1">
+      <a:defRPr sz="1200" kern="1200">
+        <a:solidFill>
+          <a:schemeClr val="tx1"/>
+        </a:solidFill>
+        <a:latin typeface="+mn-lt"/>
+        <a:ea typeface="+mn-ea"/>
+        <a:cs typeface="+mn-cs"/>
+      </a:defRPr>
+    </a:lvl7pPr>
+    <a:lvl8pPr marL="3200400" algn="l" defTabSz="914400" rtl="0" eaLnBrk="1" latinLnBrk="0" hangingPunct="1">
+      <a:defRPr sz="1200" kern="1200">
+        <a:solidFill>
+          <a:schemeClr val="tx1"/>
+        </a:solidFill>
+        <a:latin typeface="+mn-lt"/>
+        <a:ea typeface="+mn-ea"/>
+        <a:cs typeface="+mn-cs"/>
+      </a:defRPr>
+    </a:lvl8pPr>
+    <a:lvl9pPr marL="3657600" algn="l" defTabSz="914400" rtl="0" eaLnBrk="1" latinLnBrk="0" hangingPunct="1">
+      <a:defRPr sz="1200" kern="1200">
+        <a:solidFill>
+          <a:schemeClr val="tx1"/>
+        </a:solidFill>
+        <a:latin typeface="+mn-lt"/>
+        <a:ea typeface="+mn-ea"/>
+        <a:cs typeface="+mn-cs"/>
+      </a:defRPr>
+    </a:lvl9pPr>
+  </p:notesStyle>
+</p:notesMaster>
+</file>
+
+<file path=ppt/notesSlides/notesSlide1.xml><?xml version="1.0" encoding="utf-8"?>
+<p:notes xmlns:a="http://schemas.openxmlformats.org/drawingml/2006/main" xmlns:r="http://schemas.openxmlformats.org/officeDocument/2006/relationships" xmlns:p="http://schemas.openxmlformats.org/presentationml/2006/main">
+  <p:cSld>
+    <p:spTree>
+      <p:nvGrpSpPr>
+        <p:cNvPr id="1" name=""/>
+        <p:cNvGrpSpPr/>
+        <p:nvPr/>
+      </p:nvGrpSpPr>
+      <p:grpSpPr>
+        <a:xfrm>
+          <a:off x="0" y="0"/>
+          <a:ext cx="0" cy="0"/>
+          <a:chOff x="0" y="0"/>
+          <a:chExt cx="0" cy="0"/>
+        </a:xfrm>
+      </p:grpSpPr>
+      <p:sp>
+        <p:nvSpPr>
+          <p:cNvPr id="2" name="Slide Image Placeholder 1"/>
+          <p:cNvSpPr>
+            <a:spLocks noGrp="1" noRot="1" noChangeAspect="1"/>
+          </p:cNvSpPr>
+          <p:nvPr>
+            <p:ph type="sldImg"/>
+          </p:nvPr>
+        </p:nvSpPr>
+        <p:spPr/>
+      </p:sp>
+      <p:sp>
+        <p:nvSpPr>
+          <p:cNvPr id="3" name="Notes Placeholder 2"/>
+          <p:cNvSpPr>
+            <a:spLocks noGrp="1"/>
+          </p:cNvSpPr>
+          <p:nvPr>
+            <p:ph type="body" idx="1"/>
+          </p:nvPr>
+        </p:nvSpPr>
+        <p:spPr/>
+        <p:txBody>
+          <a:bodyPr/>
+          <a:lstStyle/>
+          <a:p>
+            <a:endParaRPr lang="en-US" dirty="0"/>
+          </a:p>
+        </p:txBody>
+      </p:sp>
+      <p:sp>
+        <p:nvSpPr>
+          <p:cNvPr id="4" name="Slide Number Placeholder 3"/>
+          <p:cNvSpPr>
+            <a:spLocks noGrp="1"/>
+          </p:cNvSpPr>
+          <p:nvPr>
+            <p:ph type="sldNum" sz="quarter" idx="5"/>
+          </p:nvPr>
+        </p:nvSpPr>
+        <p:spPr/>
+        <p:txBody>
+          <a:bodyPr/>
+          <a:lstStyle/>
+          <a:p>
+            <a:fld id="{A81309FC-3452-42E0-AAE7-82C925C15324}" type="slidenum">
+              <a:rPr lang="en-US" smtClean="0"/>
+              <a:t>4</a:t>
+            </a:fld>
+            <a:endParaRPr lang="en-US"/>
+          </a:p>
+        </p:txBody>
+      </p:sp>
+    </p:spTree>
+    <p:extLst>
+      <p:ext uri="{BB962C8B-B14F-4D97-AF65-F5344CB8AC3E}">
+        <p14:creationId xmlns:p14="http://schemas.microsoft.com/office/powerpoint/2010/main" val="1910995687"/>
+      </p:ext>
+    </p:extLst>
+  </p:cSld>
+  <p:clrMapOvr>
+    <a:masterClrMapping/>
+  </p:clrMapOvr>
+</p:notes>
 </file>
 
 <file path=ppt/slideLayouts/slideLayout1.xml><?xml version="1.0" encoding="utf-8"?>
@@ -3829,7 +4265,7 @@
               <a:buChar char="•"/>
             </a:pPr>
             <a:r>
-              <a:rPr lang="en-US" sz="2800"/>
+              <a:rPr lang="en-US" sz="2800" dirty="0"/>
               <a:t>DELETE</a:t>
             </a:r>
             <a:endParaRPr lang="en-IR" sz="2800" dirty="0"/>
@@ -3907,6 +4343,120 @@
             <a:r>
               <a:rPr lang="en-US" sz="2800" dirty="0"/>
               <a:t>ROLLUP</a:t>
+            </a:r>
+            <a:endParaRPr lang="en-IR" sz="2800" dirty="0"/>
+          </a:p>
+        </p:txBody>
+      </p:sp>
+      <p:sp>
+        <p:nvSpPr>
+          <p:cNvPr id="2" name="TextBox 1">
+            <a:extLst>
+              <a:ext uri="{FF2B5EF4-FFF2-40B4-BE49-F238E27FC236}">
+                <a16:creationId xmlns:a16="http://schemas.microsoft.com/office/drawing/2014/main" id="{68B40914-FC78-1947-A2FC-8B0EC381EDC3}"/>
+              </a:ext>
+            </a:extLst>
+          </p:cNvPr>
+          <p:cNvSpPr txBox="1"/>
+          <p:nvPr/>
+        </p:nvSpPr>
+        <p:spPr>
+          <a:xfrm>
+            <a:off x="6325399" y="3097911"/>
+            <a:ext cx="3203229" cy="3600986"/>
+          </a:xfrm>
+          <a:prstGeom prst="rect">
+            <a:avLst/>
+          </a:prstGeom>
+          <a:noFill/>
+        </p:spPr>
+        <p:txBody>
+          <a:bodyPr wrap="square" rtlCol="0">
+            <a:spAutoFit/>
+          </a:bodyPr>
+          <a:lstStyle/>
+          <a:p>
+            <a:r>
+              <a:rPr lang="en-US" sz="3200" b="1" dirty="0"/>
+              <a:t>S</a:t>
+            </a:r>
+            <a:r>
+              <a:rPr lang="en-IR" sz="3200" b="1" dirty="0"/>
+              <a:t>ec_5:</a:t>
+            </a:r>
+          </a:p>
+          <a:p>
+            <a:pPr marL="457200" indent="-457200">
+              <a:buFont typeface="Arial" panose="020B0604020202020204" pitchFamily="34" charset="0"/>
+              <a:buChar char="•"/>
+            </a:pPr>
+            <a:r>
+              <a:rPr lang="en-US" sz="2800" dirty="0"/>
+              <a:t>Where subquery</a:t>
+            </a:r>
+          </a:p>
+          <a:p>
+            <a:pPr marL="457200" indent="-457200">
+              <a:buFont typeface="Arial" panose="020B0604020202020204" pitchFamily="34" charset="0"/>
+              <a:buChar char="•"/>
+            </a:pPr>
+            <a:r>
+              <a:rPr lang="en-US" sz="2800" dirty="0"/>
+              <a:t>ALL</a:t>
+            </a:r>
+          </a:p>
+          <a:p>
+            <a:pPr marL="457200" indent="-457200">
+              <a:buFont typeface="Arial" panose="020B0604020202020204" pitchFamily="34" charset="0"/>
+              <a:buChar char="•"/>
+            </a:pPr>
+            <a:r>
+              <a:rPr lang="en-US" sz="2800" dirty="0"/>
+              <a:t>ANY</a:t>
+            </a:r>
+          </a:p>
+          <a:p>
+            <a:pPr marL="457200" indent="-457200">
+              <a:buFont typeface="Arial" panose="020B0604020202020204" pitchFamily="34" charset="0"/>
+              <a:buChar char="•"/>
+            </a:pPr>
+            <a:r>
+              <a:rPr lang="en-US" sz="2800" dirty="0"/>
+              <a:t>Correlation</a:t>
+            </a:r>
+          </a:p>
+          <a:p>
+            <a:pPr marL="457200" indent="-457200">
+              <a:buFont typeface="Arial" panose="020B0604020202020204" pitchFamily="34" charset="0"/>
+              <a:buChar char="•"/>
+            </a:pPr>
+            <a:r>
+              <a:rPr lang="en-US" sz="2800" dirty="0"/>
+              <a:t>EXIST</a:t>
+            </a:r>
+          </a:p>
+          <a:p>
+            <a:pPr marL="457200" indent="-457200">
+              <a:buFont typeface="Arial" panose="020B0604020202020204" pitchFamily="34" charset="0"/>
+              <a:buChar char="•"/>
+            </a:pPr>
+            <a:r>
+              <a:rPr lang="en-US" sz="2800" dirty="0"/>
+              <a:t>Select subquery</a:t>
+            </a:r>
+          </a:p>
+          <a:p>
+            <a:pPr marL="457200" indent="-457200">
+              <a:buFont typeface="Arial" panose="020B0604020202020204" pitchFamily="34" charset="0"/>
+              <a:buChar char="•"/>
+            </a:pPr>
+            <a:r>
+              <a:rPr lang="en-US" sz="2800" dirty="0"/>
+              <a:t>From </a:t>
+            </a:r>
+            <a:r>
+              <a:rPr lang="en-US" sz="2800" dirty="0" err="1"/>
+              <a:t>subquerry</a:t>
             </a:r>
             <a:endParaRPr lang="en-IR" sz="2800" dirty="0"/>
           </a:p>
@@ -3944,10 +4494,10 @@
       </p:grpSpPr>
       <p:sp>
         <p:nvSpPr>
-          <p:cNvPr id="4" name="TextBox 3">
-            <a:extLst>
-              <a:ext uri="{FF2B5EF4-FFF2-40B4-BE49-F238E27FC236}">
-                <a16:creationId xmlns:a16="http://schemas.microsoft.com/office/drawing/2014/main" id="{68B40914-FC78-1947-A2FC-8B0EC381EDC3}"/>
+          <p:cNvPr id="3" name="TextBox 2">
+            <a:extLst>
+              <a:ext uri="{FF2B5EF4-FFF2-40B4-BE49-F238E27FC236}">
+                <a16:creationId xmlns:a16="http://schemas.microsoft.com/office/drawing/2014/main" id="{B160C3F9-B0F1-074C-89E7-0E4D46CFC352}"/>
               </a:ext>
             </a:extLst>
           </p:cNvPr>
@@ -3956,121 +4506,7 @@
         </p:nvSpPr>
         <p:spPr>
           <a:xfrm>
-            <a:off x="193113" y="434921"/>
-            <a:ext cx="3203229" cy="3600986"/>
-          </a:xfrm>
-          <a:prstGeom prst="rect">
-            <a:avLst/>
-          </a:prstGeom>
-          <a:noFill/>
-        </p:spPr>
-        <p:txBody>
-          <a:bodyPr wrap="square" rtlCol="0">
-            <a:spAutoFit/>
-          </a:bodyPr>
-          <a:lstStyle/>
-          <a:p>
-            <a:r>
-              <a:rPr lang="en-US" sz="3200" b="1" dirty="0"/>
-              <a:t>S</a:t>
-            </a:r>
-            <a:r>
-              <a:rPr lang="en-IR" sz="3200" b="1" dirty="0"/>
-              <a:t>ec_5:</a:t>
-            </a:r>
-          </a:p>
-          <a:p>
-            <a:pPr marL="457200" indent="-457200">
-              <a:buFont typeface="Arial" panose="020B0604020202020204" pitchFamily="34" charset="0"/>
-              <a:buChar char="•"/>
-            </a:pPr>
-            <a:r>
-              <a:rPr lang="en-US" sz="2800" dirty="0"/>
-              <a:t>Where subquery</a:t>
-            </a:r>
-          </a:p>
-          <a:p>
-            <a:pPr marL="457200" indent="-457200">
-              <a:buFont typeface="Arial" panose="020B0604020202020204" pitchFamily="34" charset="0"/>
-              <a:buChar char="•"/>
-            </a:pPr>
-            <a:r>
-              <a:rPr lang="en-US" sz="2800" dirty="0"/>
-              <a:t>ALL</a:t>
-            </a:r>
-          </a:p>
-          <a:p>
-            <a:pPr marL="457200" indent="-457200">
-              <a:buFont typeface="Arial" panose="020B0604020202020204" pitchFamily="34" charset="0"/>
-              <a:buChar char="•"/>
-            </a:pPr>
-            <a:r>
-              <a:rPr lang="en-US" sz="2800" dirty="0"/>
-              <a:t>ANY</a:t>
-            </a:r>
-          </a:p>
-          <a:p>
-            <a:pPr marL="457200" indent="-457200">
-              <a:buFont typeface="Arial" panose="020B0604020202020204" pitchFamily="34" charset="0"/>
-              <a:buChar char="•"/>
-            </a:pPr>
-            <a:r>
-              <a:rPr lang="en-US" sz="2800" dirty="0"/>
-              <a:t>Correlation</a:t>
-            </a:r>
-          </a:p>
-          <a:p>
-            <a:pPr marL="457200" indent="-457200">
-              <a:buFont typeface="Arial" panose="020B0604020202020204" pitchFamily="34" charset="0"/>
-              <a:buChar char="•"/>
-            </a:pPr>
-            <a:r>
-              <a:rPr lang="en-US" sz="2800" dirty="0"/>
-              <a:t>EXIST</a:t>
-            </a:r>
-          </a:p>
-          <a:p>
-            <a:pPr marL="457200" indent="-457200">
-              <a:buFont typeface="Arial" panose="020B0604020202020204" pitchFamily="34" charset="0"/>
-              <a:buChar char="•"/>
-            </a:pPr>
-            <a:r>
-              <a:rPr lang="en-US" sz="2800" dirty="0"/>
-              <a:t>Select subquery</a:t>
-            </a:r>
-          </a:p>
-          <a:p>
-            <a:pPr marL="457200" indent="-457200">
-              <a:buFont typeface="Arial" panose="020B0604020202020204" pitchFamily="34" charset="0"/>
-              <a:buChar char="•"/>
-            </a:pPr>
-            <a:r>
-              <a:rPr lang="en-US" sz="2800" dirty="0"/>
-              <a:t>From </a:t>
-            </a:r>
-            <a:r>
-              <a:rPr lang="en-US" sz="2800" dirty="0" err="1"/>
-              <a:t>subquerry</a:t>
-            </a:r>
-            <a:endParaRPr lang="en-IR" sz="2800" dirty="0"/>
-          </a:p>
-        </p:txBody>
-      </p:sp>
-      <p:sp>
-        <p:nvSpPr>
-          <p:cNvPr id="3" name="TextBox 2">
-            <a:extLst>
-              <a:ext uri="{FF2B5EF4-FFF2-40B4-BE49-F238E27FC236}">
-                <a16:creationId xmlns:a16="http://schemas.microsoft.com/office/drawing/2014/main" id="{B160C3F9-B0F1-074C-89E7-0E4D46CFC352}"/>
-              </a:ext>
-            </a:extLst>
-          </p:cNvPr>
-          <p:cNvSpPr txBox="1"/>
-          <p:nvPr/>
-        </p:nvSpPr>
-        <p:spPr>
-          <a:xfrm>
-            <a:off x="3524143" y="434921"/>
+            <a:off x="181428" y="456247"/>
             <a:ext cx="4211972" cy="6186309"/>
           </a:xfrm>
           <a:prstGeom prst="rect">
@@ -4088,10 +4524,15 @@
               <a:rPr lang="en-IR" sz="3200" b="1" dirty="0"/>
               <a:t>Sec_6:</a:t>
             </a:r>
-          </a:p>
-          <a:p>
-            <a:r>
-              <a:rPr lang="en-US" sz="2800" dirty="0"/>
+            <a:r>
+              <a:rPr lang="en-US" sz="3200" b="1" dirty="0"/>
+              <a:t> (functions)</a:t>
+            </a:r>
+            <a:endParaRPr lang="en-IR" sz="3200" b="1" dirty="0"/>
+          </a:p>
+          <a:p>
+            <a:r>
+              <a:rPr lang="en-US" sz="2800" i="1" dirty="0"/>
               <a:t>numerical functions</a:t>
             </a:r>
           </a:p>
@@ -4144,7 +4585,7 @@
           </a:p>
           <a:p>
             <a:r>
-              <a:rPr lang="en-US" sz="2800" dirty="0"/>
+              <a:rPr lang="en-US" sz="2800" i="1" dirty="0"/>
               <a:t>numerical functions</a:t>
             </a:r>
           </a:p>
@@ -4225,7 +4666,7 @@
         </p:nvSpPr>
         <p:spPr>
           <a:xfrm>
-            <a:off x="7736115" y="896586"/>
+            <a:off x="4211972" y="935045"/>
             <a:ext cx="4455885" cy="4832092"/>
           </a:xfrm>
           <a:prstGeom prst="rect">
@@ -4240,7 +4681,7 @@
           <a:lstStyle/>
           <a:p>
             <a:r>
-              <a:rPr lang="en-US" sz="2800" dirty="0"/>
+              <a:rPr lang="en-US" sz="2800" i="1" dirty="0"/>
               <a:t>date &amp; time functions</a:t>
             </a:r>
           </a:p>
@@ -4342,6 +4783,82 @@
             <a:r>
               <a:rPr lang="en-US" sz="2800" dirty="0"/>
               <a:t>TIME_TO_SEC</a:t>
+            </a:r>
+            <a:endParaRPr lang="en-IR" sz="2800" dirty="0"/>
+          </a:p>
+        </p:txBody>
+      </p:sp>
+      <p:sp>
+        <p:nvSpPr>
+          <p:cNvPr id="2" name="TextBox 1">
+            <a:extLst>
+              <a:ext uri="{FF2B5EF4-FFF2-40B4-BE49-F238E27FC236}">
+                <a16:creationId xmlns:a16="http://schemas.microsoft.com/office/drawing/2014/main" id="{68B40914-FC78-1947-A2FC-8B0EC381EDC3}"/>
+              </a:ext>
+            </a:extLst>
+          </p:cNvPr>
+          <p:cNvSpPr txBox="1"/>
+          <p:nvPr/>
+        </p:nvSpPr>
+        <p:spPr>
+          <a:xfrm>
+            <a:off x="8667857" y="919856"/>
+            <a:ext cx="4030544" cy="2246769"/>
+          </a:xfrm>
+          <a:prstGeom prst="rect">
+            <a:avLst/>
+          </a:prstGeom>
+          <a:noFill/>
+        </p:spPr>
+        <p:txBody>
+          <a:bodyPr wrap="square" rtlCol="0">
+            <a:spAutoFit/>
+          </a:bodyPr>
+          <a:lstStyle/>
+          <a:p>
+            <a:r>
+              <a:rPr lang="en-US" sz="2800" i="1" dirty="0"/>
+              <a:t>condition functions</a:t>
+            </a:r>
+          </a:p>
+          <a:p>
+            <a:pPr marL="457200" indent="-457200">
+              <a:buFont typeface="Arial" panose="020B0604020202020204" pitchFamily="34" charset="0"/>
+              <a:buChar char="•"/>
+            </a:pPr>
+            <a:r>
+              <a:rPr lang="en-US" sz="2800" dirty="0"/>
+              <a:t>IFNULL</a:t>
+            </a:r>
+          </a:p>
+          <a:p>
+            <a:pPr marL="457200" indent="-457200">
+              <a:buFont typeface="Arial" panose="020B0604020202020204" pitchFamily="34" charset="0"/>
+              <a:buChar char="•"/>
+            </a:pPr>
+            <a:r>
+              <a:rPr lang="en-US" sz="2800" dirty="0"/>
+              <a:t>COALESCE</a:t>
+            </a:r>
+          </a:p>
+          <a:p>
+            <a:pPr marL="457200" indent="-457200">
+              <a:buFont typeface="Arial" panose="020B0604020202020204" pitchFamily="34" charset="0"/>
+              <a:buChar char="•"/>
+            </a:pPr>
+            <a:r>
+              <a:rPr lang="en-US" sz="2800" dirty="0"/>
+              <a:t>IF</a:t>
+            </a:r>
+          </a:p>
+          <a:p>
+            <a:pPr marL="457200" indent="-457200">
+              <a:buFont typeface="Arial" panose="020B0604020202020204" pitchFamily="34" charset="0"/>
+              <a:buChar char="•"/>
+            </a:pPr>
+            <a:r>
+              <a:rPr lang="en-US" sz="2800" dirty="0"/>
+              <a:t>CASE (WHEN, THEN)</a:t>
             </a:r>
             <a:endParaRPr lang="en-IR" sz="2800" dirty="0"/>
           </a:p>
@@ -4379,10 +4896,10 @@
       </p:grpSpPr>
       <p:sp>
         <p:nvSpPr>
-          <p:cNvPr id="4" name="TextBox 3">
-            <a:extLst>
-              <a:ext uri="{FF2B5EF4-FFF2-40B4-BE49-F238E27FC236}">
-                <a16:creationId xmlns:a16="http://schemas.microsoft.com/office/drawing/2014/main" id="{68B40914-FC78-1947-A2FC-8B0EC381EDC3}"/>
+          <p:cNvPr id="3" name="TextBox 2">
+            <a:extLst>
+              <a:ext uri="{FF2B5EF4-FFF2-40B4-BE49-F238E27FC236}">
+                <a16:creationId xmlns:a16="http://schemas.microsoft.com/office/drawing/2014/main" id="{B160C3F9-B0F1-074C-89E7-0E4D46CFC352}"/>
               </a:ext>
             </a:extLst>
           </p:cNvPr>
@@ -4391,87 +4908,7 @@
         </p:nvSpPr>
         <p:spPr>
           <a:xfrm>
-            <a:off x="526942" y="667657"/>
-            <a:ext cx="4030544" cy="2308324"/>
-          </a:xfrm>
-          <a:prstGeom prst="rect">
-            <a:avLst/>
-          </a:prstGeom>
-          <a:noFill/>
-        </p:spPr>
-        <p:txBody>
-          <a:bodyPr wrap="square" rtlCol="0">
-            <a:spAutoFit/>
-          </a:bodyPr>
-          <a:lstStyle/>
-          <a:p>
-            <a:r>
-              <a:rPr lang="en-US" sz="3200" b="1" dirty="0"/>
-              <a:t>S</a:t>
-            </a:r>
-            <a:r>
-              <a:rPr lang="en-IR" sz="3200" b="1" dirty="0"/>
-              <a:t>ec_6:</a:t>
-            </a:r>
-          </a:p>
-          <a:p>
-            <a:pPr marL="457200" indent="-457200">
-              <a:buFont typeface="Arial" panose="020B0604020202020204" pitchFamily="34" charset="0"/>
-              <a:buChar char="•"/>
-            </a:pPr>
-            <a:r>
-              <a:rPr lang="en-US" sz="2800" dirty="0"/>
-              <a:t>IFNULL</a:t>
-            </a:r>
-          </a:p>
-          <a:p>
-            <a:pPr marL="457200" indent="-457200">
-              <a:buFont typeface="Arial" panose="020B0604020202020204" pitchFamily="34" charset="0"/>
-              <a:buChar char="•"/>
-            </a:pPr>
-            <a:r>
-              <a:rPr lang="en-US" sz="2800" dirty="0"/>
-              <a:t>COALESCE</a:t>
-            </a:r>
-          </a:p>
-          <a:p>
-            <a:pPr marL="457200" indent="-457200">
-              <a:buFont typeface="Arial" panose="020B0604020202020204" pitchFamily="34" charset="0"/>
-              <a:buChar char="•"/>
-            </a:pPr>
-            <a:r>
-              <a:rPr lang="en-US" sz="2800" dirty="0"/>
-              <a:t>IF</a:t>
-            </a:r>
-          </a:p>
-          <a:p>
-            <a:pPr marL="457200" indent="-457200">
-              <a:buFont typeface="Arial" panose="020B0604020202020204" pitchFamily="34" charset="0"/>
-              <a:buChar char="•"/>
-            </a:pPr>
-            <a:r>
-              <a:rPr lang="en-US" sz="2800" dirty="0"/>
-              <a:t>CASE (WHEN, THEN)</a:t>
-            </a:r>
-            <a:endParaRPr lang="en-IR" sz="2800" dirty="0"/>
-          </a:p>
-        </p:txBody>
-      </p:sp>
-      <p:sp>
-        <p:nvSpPr>
-          <p:cNvPr id="3" name="TextBox 2">
-            <a:extLst>
-              <a:ext uri="{FF2B5EF4-FFF2-40B4-BE49-F238E27FC236}">
-                <a16:creationId xmlns:a16="http://schemas.microsoft.com/office/drawing/2014/main" id="{B160C3F9-B0F1-074C-89E7-0E4D46CFC352}"/>
-              </a:ext>
-            </a:extLst>
-          </p:cNvPr>
-          <p:cNvSpPr txBox="1"/>
-          <p:nvPr/>
-        </p:nvSpPr>
-        <p:spPr>
-          <a:xfrm>
-            <a:off x="6325399" y="667656"/>
+            <a:off x="526942" y="860162"/>
             <a:ext cx="5569058" cy="2308324"/>
           </a:xfrm>
           <a:prstGeom prst="rect">
@@ -4535,10 +4972,138 @@
               <a:buChar char="•"/>
             </a:pPr>
             <a:r>
-              <a:rPr lang="en-US" sz="2800"/>
+              <a:rPr lang="en-US" sz="2800" dirty="0"/>
               <a:t>updateable view</a:t>
             </a:r>
             <a:endParaRPr lang="en-IR" sz="2800" dirty="0"/>
+          </a:p>
+        </p:txBody>
+      </p:sp>
+      <p:sp>
+        <p:nvSpPr>
+          <p:cNvPr id="2" name="TextBox 1">
+            <a:extLst>
+              <a:ext uri="{FF2B5EF4-FFF2-40B4-BE49-F238E27FC236}">
+                <a16:creationId xmlns:a16="http://schemas.microsoft.com/office/drawing/2014/main" id="{68B40914-FC78-1947-A2FC-8B0EC381EDC3}"/>
+              </a:ext>
+            </a:extLst>
+          </p:cNvPr>
+          <p:cNvSpPr txBox="1"/>
+          <p:nvPr/>
+        </p:nvSpPr>
+        <p:spPr>
+          <a:xfrm>
+            <a:off x="5868963" y="860162"/>
+            <a:ext cx="5569058" cy="3600986"/>
+          </a:xfrm>
+          <a:prstGeom prst="rect">
+            <a:avLst/>
+          </a:prstGeom>
+          <a:noFill/>
+        </p:spPr>
+        <p:txBody>
+          <a:bodyPr wrap="square" rtlCol="0">
+            <a:spAutoFit/>
+          </a:bodyPr>
+          <a:lstStyle/>
+          <a:p>
+            <a:r>
+              <a:rPr lang="en-US" sz="3200" b="1" dirty="0"/>
+              <a:t>S</a:t>
+            </a:r>
+            <a:r>
+              <a:rPr lang="en-IR" sz="3200" b="1" dirty="0"/>
+              <a:t>ec_8:</a:t>
+            </a:r>
+            <a:r>
+              <a:rPr lang="en-US" sz="3200" b="1" dirty="0"/>
+              <a:t> (store procedures)</a:t>
+            </a:r>
+            <a:endParaRPr lang="en-IR" sz="3200" b="1" dirty="0"/>
+          </a:p>
+          <a:p>
+            <a:pPr marL="457200" indent="-457200">
+              <a:buFont typeface="Arial" panose="020B0604020202020204" pitchFamily="34" charset="0"/>
+              <a:buChar char="•"/>
+            </a:pPr>
+            <a:r>
+              <a:rPr lang="en-IR" sz="2800" dirty="0"/>
+              <a:t>CREATE PROCEDURE</a:t>
+            </a:r>
+            <a:endParaRPr lang="fa-IR" sz="2800" dirty="0"/>
+          </a:p>
+          <a:p>
+            <a:pPr marL="457200" indent="-457200">
+              <a:buFont typeface="Arial" panose="020B0604020202020204" pitchFamily="34" charset="0"/>
+              <a:buChar char="•"/>
+            </a:pPr>
+            <a:r>
+              <a:rPr lang="en-IR" sz="2800" dirty="0"/>
+              <a:t>CALL</a:t>
+            </a:r>
+            <a:r>
+              <a:rPr lang="en-US" sz="2800" dirty="0"/>
+              <a:t> &amp; DROP</a:t>
+            </a:r>
+            <a:r>
+              <a:rPr lang="en-IR" sz="2800" dirty="0"/>
+              <a:t> PROCEDURE</a:t>
+            </a:r>
+            <a:endParaRPr lang="en-US" sz="2800" dirty="0"/>
+          </a:p>
+          <a:p>
+            <a:pPr marL="457200" indent="-457200">
+              <a:buFont typeface="Arial" panose="020B0604020202020204" pitchFamily="34" charset="0"/>
+              <a:buChar char="•"/>
+            </a:pPr>
+            <a:r>
+              <a:rPr lang="en-IR" sz="2800" dirty="0"/>
+              <a:t>PROCEDURE with input</a:t>
+            </a:r>
+            <a:endParaRPr lang="en-US" sz="2800" dirty="0"/>
+          </a:p>
+          <a:p>
+            <a:pPr marL="457200" indent="-457200">
+              <a:buFont typeface="Arial" panose="020B0604020202020204" pitchFamily="34" charset="0"/>
+              <a:buChar char="•"/>
+            </a:pPr>
+            <a:r>
+              <a:rPr lang="en-IR" sz="2800" dirty="0"/>
+              <a:t>PROCEDURE with return</a:t>
+            </a:r>
+            <a:endParaRPr lang="en-US" sz="2800" dirty="0"/>
+          </a:p>
+          <a:p>
+            <a:pPr marL="457200" indent="-457200">
+              <a:buFont typeface="Arial" panose="020B0604020202020204" pitchFamily="34" charset="0"/>
+              <a:buChar char="•"/>
+            </a:pPr>
+            <a:r>
+              <a:rPr lang="en-IR" sz="2800" dirty="0"/>
+              <a:t>DECLARE (variable)</a:t>
+            </a:r>
+            <a:endParaRPr lang="en-US" sz="2800" dirty="0"/>
+          </a:p>
+          <a:p>
+            <a:pPr marL="457200" indent="-457200">
+              <a:buFont typeface="Arial" panose="020B0604020202020204" pitchFamily="34" charset="0"/>
+              <a:buChar char="•"/>
+            </a:pPr>
+            <a:r>
+              <a:rPr lang="en-IR" sz="2800" dirty="0"/>
+              <a:t>another example of PROCEDURE</a:t>
+            </a:r>
+            <a:endParaRPr lang="en-US" sz="2800" dirty="0"/>
+          </a:p>
+          <a:p>
+            <a:pPr marL="457200" indent="-457200">
+              <a:buFont typeface="Arial" panose="020B0604020202020204" pitchFamily="34" charset="0"/>
+              <a:buChar char="•"/>
+            </a:pPr>
+            <a:r>
+              <a:rPr lang="en-IR" sz="2800" dirty="0"/>
+              <a:t>FUNCTION</a:t>
+            </a:r>
           </a:p>
         </p:txBody>
       </p:sp>
@@ -4574,10 +5139,10 @@
       </p:grpSpPr>
       <p:sp>
         <p:nvSpPr>
-          <p:cNvPr id="4" name="TextBox 3">
-            <a:extLst>
-              <a:ext uri="{FF2B5EF4-FFF2-40B4-BE49-F238E27FC236}">
-                <a16:creationId xmlns:a16="http://schemas.microsoft.com/office/drawing/2014/main" id="{68B40914-FC78-1947-A2FC-8B0EC381EDC3}"/>
+          <p:cNvPr id="3" name="TextBox 2">
+            <a:extLst>
+              <a:ext uri="{FF2B5EF4-FFF2-40B4-BE49-F238E27FC236}">
+                <a16:creationId xmlns:a16="http://schemas.microsoft.com/office/drawing/2014/main" id="{B160C3F9-B0F1-074C-89E7-0E4D46CFC352}"/>
               </a:ext>
             </a:extLst>
           </p:cNvPr>
@@ -4586,7 +5151,7 @@
         </p:nvSpPr>
         <p:spPr>
           <a:xfrm>
-            <a:off x="526942" y="667657"/>
+            <a:off x="526942" y="661544"/>
             <a:ext cx="5569058" cy="3600986"/>
           </a:xfrm>
           <a:prstGeom prst="rect">
@@ -4601,146 +5166,105 @@
           <a:lstStyle/>
           <a:p>
             <a:r>
-              <a:rPr lang="en-US" sz="3200" b="1" dirty="0"/>
-              <a:t>S</a:t>
-            </a:r>
-            <a:r>
-              <a:rPr lang="en-IR" sz="3200" b="1" dirty="0"/>
-              <a:t>ec_8:</a:t>
-            </a:r>
-            <a:r>
-              <a:rPr lang="en-US" sz="3200" b="1" dirty="0"/>
-              <a:t> (store procedures)</a:t>
-            </a:r>
-            <a:endParaRPr lang="en-IR" sz="3200" b="1" dirty="0"/>
-          </a:p>
-          <a:p>
-            <a:pPr marL="457200" indent="-457200">
-              <a:buFont typeface="Arial" panose="020B0604020202020204" pitchFamily="34" charset="0"/>
-              <a:buChar char="•"/>
-            </a:pPr>
-            <a:r>
-              <a:rPr lang="en-IR" sz="2800" dirty="0"/>
-              <a:t>CREATE PROCEDURE</a:t>
-            </a:r>
-            <a:endParaRPr lang="fa-IR" sz="2800" dirty="0"/>
-          </a:p>
-          <a:p>
-            <a:pPr marL="457200" indent="-457200">
-              <a:buFont typeface="Arial" panose="020B0604020202020204" pitchFamily="34" charset="0"/>
-              <a:buChar char="•"/>
-            </a:pPr>
-            <a:r>
-              <a:rPr lang="en-IR" sz="2800" dirty="0"/>
-              <a:t>CALL</a:t>
-            </a:r>
-            <a:r>
-              <a:rPr lang="en-US" sz="2800" dirty="0"/>
-              <a:t> &amp; DROP</a:t>
-            </a:r>
-            <a:r>
-              <a:rPr lang="en-IR" sz="2800" dirty="0"/>
-              <a:t> PROCEDURE</a:t>
-            </a:r>
-            <a:endParaRPr lang="en-US" sz="2800" dirty="0"/>
-          </a:p>
-          <a:p>
-            <a:pPr marL="457200" indent="-457200">
-              <a:buFont typeface="Arial" panose="020B0604020202020204" pitchFamily="34" charset="0"/>
-              <a:buChar char="•"/>
-            </a:pPr>
-            <a:r>
-              <a:rPr lang="en-IR" sz="2800" dirty="0"/>
-              <a:t>PROCEDURE with input</a:t>
-            </a:r>
-            <a:endParaRPr lang="en-US" sz="2800" dirty="0"/>
-          </a:p>
-          <a:p>
-            <a:pPr marL="457200" indent="-457200">
-              <a:buFont typeface="Arial" panose="020B0604020202020204" pitchFamily="34" charset="0"/>
-              <a:buChar char="•"/>
-            </a:pPr>
-            <a:r>
-              <a:rPr lang="en-IR" sz="2800" dirty="0"/>
-              <a:t>PROCEDURE with return</a:t>
-            </a:r>
-            <a:endParaRPr lang="en-US" sz="2800" dirty="0"/>
-          </a:p>
-          <a:p>
-            <a:pPr marL="457200" indent="-457200">
-              <a:buFont typeface="Arial" panose="020B0604020202020204" pitchFamily="34" charset="0"/>
-              <a:buChar char="•"/>
-            </a:pPr>
-            <a:r>
-              <a:rPr lang="en-IR" sz="2800" dirty="0"/>
-              <a:t>DECLARE (variable)</a:t>
-            </a:r>
-            <a:endParaRPr lang="en-US" sz="2800" dirty="0"/>
-          </a:p>
-          <a:p>
-            <a:pPr marL="457200" indent="-457200">
-              <a:buFont typeface="Arial" panose="020B0604020202020204" pitchFamily="34" charset="0"/>
-              <a:buChar char="•"/>
-            </a:pPr>
-            <a:r>
-              <a:rPr lang="en-IR" sz="2800" dirty="0"/>
-              <a:t>another example of PROCEDURE</a:t>
-            </a:r>
-            <a:endParaRPr lang="en-US" sz="2800" dirty="0"/>
-          </a:p>
-          <a:p>
-            <a:pPr marL="457200" indent="-457200">
-              <a:buFont typeface="Arial" panose="020B0604020202020204" pitchFamily="34" charset="0"/>
-              <a:buChar char="•"/>
-            </a:pPr>
-            <a:r>
-              <a:rPr lang="en-IR" sz="2800" dirty="0"/>
-              <a:t>FUNCTION</a:t>
-            </a:r>
-          </a:p>
-        </p:txBody>
-      </p:sp>
-      <p:sp>
-        <p:nvSpPr>
-          <p:cNvPr id="3" name="TextBox 2">
-            <a:extLst>
-              <a:ext uri="{FF2B5EF4-FFF2-40B4-BE49-F238E27FC236}">
-                <a16:creationId xmlns:a16="http://schemas.microsoft.com/office/drawing/2014/main" id="{B160C3F9-B0F1-074C-89E7-0E4D46CFC352}"/>
-              </a:ext>
-            </a:extLst>
-          </p:cNvPr>
-          <p:cNvSpPr txBox="1"/>
-          <p:nvPr/>
-        </p:nvSpPr>
-        <p:spPr>
-          <a:xfrm>
-            <a:off x="6325399" y="667656"/>
-            <a:ext cx="5569058" cy="1015663"/>
-          </a:xfrm>
-          <a:prstGeom prst="rect">
-            <a:avLst/>
-          </a:prstGeom>
-          <a:noFill/>
-        </p:spPr>
-        <p:txBody>
-          <a:bodyPr wrap="square" rtlCol="0">
-            <a:spAutoFit/>
-          </a:bodyPr>
-          <a:lstStyle/>
-          <a:p>
-            <a:r>
               <a:rPr lang="en-IR" sz="3200" b="1" dirty="0"/>
               <a:t>Sec_9:</a:t>
             </a:r>
-          </a:p>
-          <a:p>
-            <a:pPr marL="457200" indent="-457200">
-              <a:buFont typeface="Arial" panose="020B0604020202020204" pitchFamily="34" charset="0"/>
-              <a:buChar char="•"/>
-            </a:pPr>
-            <a:r>
-              <a:rPr lang="en-US" sz="2800" dirty="0"/>
-              <a:t>.</a:t>
+            <a:r>
+              <a:rPr lang="en-US" sz="3200" b="1" dirty="0"/>
+              <a:t> </a:t>
+            </a:r>
+            <a:endParaRPr lang="en-IR" sz="3200" b="1" dirty="0"/>
+          </a:p>
+          <a:p>
+            <a:pPr marL="457200" indent="-457200">
+              <a:buFont typeface="Arial" panose="020B0604020202020204" pitchFamily="34" charset="0"/>
+              <a:buChar char="•"/>
+            </a:pPr>
+            <a:r>
+              <a:rPr lang="en-IR" sz="2800" dirty="0"/>
+              <a:t>TRIGGER</a:t>
+            </a:r>
+            <a:endParaRPr lang="en-US" sz="2800" dirty="0"/>
+          </a:p>
+          <a:p>
+            <a:pPr marL="457200" indent="-457200">
+              <a:buFont typeface="Arial" panose="020B0604020202020204" pitchFamily="34" charset="0"/>
+              <a:buChar char="•"/>
+            </a:pPr>
+            <a:r>
+              <a:rPr lang="en-IR" sz="2800" dirty="0"/>
+              <a:t>CREATE TRIGGER</a:t>
+            </a:r>
+            <a:endParaRPr lang="en-US" sz="2800" dirty="0"/>
+          </a:p>
+          <a:p>
+            <a:pPr marL="457200" indent="-457200">
+              <a:buFont typeface="Arial" panose="020B0604020202020204" pitchFamily="34" charset="0"/>
+              <a:buChar char="•"/>
+            </a:pPr>
+            <a:r>
+              <a:rPr lang="en-IR" sz="2800" dirty="0"/>
+              <a:t>SHOW</a:t>
+            </a:r>
+            <a:r>
+              <a:rPr lang="en-US" sz="2800" dirty="0"/>
+              <a:t> &amp; DROP </a:t>
+            </a:r>
+            <a:r>
+              <a:rPr lang="en-IR" sz="2800" dirty="0"/>
+              <a:t>TRIGGER</a:t>
+            </a:r>
+            <a:endParaRPr lang="en-US" sz="2800" dirty="0"/>
+          </a:p>
+          <a:p>
+            <a:pPr marL="457200" indent="-457200">
+              <a:buFont typeface="Arial" panose="020B0604020202020204" pitchFamily="34" charset="0"/>
+              <a:buChar char="•"/>
+            </a:pPr>
+            <a:r>
+              <a:rPr lang="en-IR" sz="2800" dirty="0"/>
+              <a:t>trigger log</a:t>
+            </a:r>
+            <a:endParaRPr lang="en-US" sz="2800" dirty="0"/>
+          </a:p>
+          <a:p>
+            <a:pPr marL="457200" indent="-457200">
+              <a:buFont typeface="Arial" panose="020B0604020202020204" pitchFamily="34" charset="0"/>
+              <a:buChar char="•"/>
+            </a:pPr>
+            <a:r>
+              <a:rPr lang="en-IR" sz="2800" dirty="0"/>
+              <a:t>EVENT</a:t>
+            </a:r>
+            <a:endParaRPr lang="en-US" sz="2800" dirty="0"/>
+          </a:p>
+          <a:p>
+            <a:pPr marL="457200" indent="-457200">
+              <a:buFont typeface="Arial" panose="020B0604020202020204" pitchFamily="34" charset="0"/>
+              <a:buChar char="•"/>
+            </a:pPr>
+            <a:r>
+              <a:rPr lang="en-IR" sz="2800" dirty="0"/>
+              <a:t>ALTER EVENT</a:t>
+            </a:r>
+            <a:endParaRPr lang="en-US" sz="2800" dirty="0"/>
+          </a:p>
+          <a:p>
+            <a:pPr marL="457200" indent="-457200">
+              <a:buFont typeface="Arial" panose="020B0604020202020204" pitchFamily="34" charset="0"/>
+              <a:buChar char="•"/>
+            </a:pPr>
+            <a:r>
+              <a:rPr lang="en-IR" sz="2800" dirty="0"/>
+              <a:t>enable &amp; disable</a:t>
+            </a:r>
+            <a:r>
+              <a:rPr lang="en-US" sz="2800" dirty="0"/>
+              <a:t> </a:t>
+            </a:r>
+            <a:r>
+              <a:rPr lang="en-IR" sz="2800"/>
+              <a:t>EVENT</a:t>
             </a:r>
             <a:endParaRPr lang="en-IR" sz="2800" dirty="0"/>
           </a:p>
@@ -5052,4 +5576,299 @@
     </a:ext>
   </a:extLst>
 </a:theme>
+</file>
+
+<file path=ppt/theme/theme2.xml><?xml version="1.0" encoding="utf-8"?>
+<a:theme xmlns:a="http://schemas.openxmlformats.org/drawingml/2006/main" name="Office Theme">
+  <a:themeElements>
+    <a:clrScheme name="Office">
+      <a:dk1>
+        <a:sysClr val="windowText" lastClr="000000"/>
+      </a:dk1>
+      <a:lt1>
+        <a:sysClr val="window" lastClr="FFFFFF"/>
+      </a:lt1>
+      <a:dk2>
+        <a:srgbClr val="44546A"/>
+      </a:dk2>
+      <a:lt2>
+        <a:srgbClr val="E7E6E6"/>
+      </a:lt2>
+      <a:accent1>
+        <a:srgbClr val="4472C4"/>
+      </a:accent1>
+      <a:accent2>
+        <a:srgbClr val="ED7D31"/>
+      </a:accent2>
+      <a:accent3>
+        <a:srgbClr val="A5A5A5"/>
+      </a:accent3>
+      <a:accent4>
+        <a:srgbClr val="FFC000"/>
+      </a:accent4>
+      <a:accent5>
+        <a:srgbClr val="5B9BD5"/>
+      </a:accent5>
+      <a:accent6>
+        <a:srgbClr val="70AD47"/>
+      </a:accent6>
+      <a:hlink>
+        <a:srgbClr val="0563C1"/>
+      </a:hlink>
+      <a:folHlink>
+        <a:srgbClr val="954F72"/>
+      </a:folHlink>
+    </a:clrScheme>
+    <a:fontScheme name="Office">
+      <a:majorFont>
+        <a:latin typeface="Calibri Light" panose="020F0302020204030204"/>
+        <a:ea typeface=""/>
+        <a:cs typeface=""/>
+        <a:font script="Jpan" typeface="游ゴシック Light"/>
+        <a:font script="Hang" typeface="맑은 고딕"/>
+        <a:font script="Hans" typeface="等线 Light"/>
+        <a:font script="Hant" typeface="新細明體"/>
+        <a:font script="Arab" typeface="Times New Roman"/>
+        <a:font script="Hebr" typeface="Times New Roman"/>
+        <a:font script="Thai" typeface="Angsana New"/>
+        <a:font script="Ethi" typeface="Nyala"/>
+        <a:font script="Beng" typeface="Vrinda"/>
+        <a:font script="Gujr" typeface="Shruti"/>
+        <a:font script="Khmr" typeface="MoolBoran"/>
+        <a:font script="Knda" typeface="Tunga"/>
+        <a:font script="Guru" typeface="Raavi"/>
+        <a:font script="Cans" typeface="Euphemia"/>
+        <a:font script="Cher" typeface="Plantagenet Cherokee"/>
+        <a:font script="Yiii" typeface="Microsoft Yi Baiti"/>
+        <a:font script="Tibt" typeface="Microsoft Himalaya"/>
+        <a:font script="Thaa" typeface="MV Boli"/>
+        <a:font script="Deva" typeface="Mangal"/>
+        <a:font script="Telu" typeface="Gautami"/>
+        <a:font script="Taml" typeface="Latha"/>
+        <a:font script="Syrc" typeface="Estrangelo Edessa"/>
+        <a:font script="Orya" typeface="Kalinga"/>
+        <a:font script="Mlym" typeface="Kartika"/>
+        <a:font script="Laoo" typeface="DokChampa"/>
+        <a:font script="Sinh" typeface="Iskoola Pota"/>
+        <a:font script="Mong" typeface="Mongolian Baiti"/>
+        <a:font script="Viet" typeface="Times New Roman"/>
+        <a:font script="Uigh" typeface="Microsoft Uighur"/>
+        <a:font script="Geor" typeface="Sylfaen"/>
+        <a:font script="Armn" typeface="Arial"/>
+        <a:font script="Bugi" typeface="Leelawadee UI"/>
+        <a:font script="Bopo" typeface="Microsoft JhengHei"/>
+        <a:font script="Java" typeface="Javanese Text"/>
+        <a:font script="Lisu" typeface="Segoe UI"/>
+        <a:font script="Mymr" typeface="Myanmar Text"/>
+        <a:font script="Nkoo" typeface="Ebrima"/>
+        <a:font script="Olck" typeface="Nirmala UI"/>
+        <a:font script="Osma" typeface="Ebrima"/>
+        <a:font script="Phag" typeface="Phagspa"/>
+        <a:font script="Syrn" typeface="Estrangelo Edessa"/>
+        <a:font script="Syrj" typeface="Estrangelo Edessa"/>
+        <a:font script="Syre" typeface="Estrangelo Edessa"/>
+        <a:font script="Sora" typeface="Nirmala UI"/>
+        <a:font script="Tale" typeface="Microsoft Tai Le"/>
+        <a:font script="Talu" typeface="Microsoft New Tai Lue"/>
+        <a:font script="Tfng" typeface="Ebrima"/>
+      </a:majorFont>
+      <a:minorFont>
+        <a:latin typeface="Calibri" panose="020F0502020204030204"/>
+        <a:ea typeface=""/>
+        <a:cs typeface=""/>
+        <a:font script="Jpan" typeface="游ゴシック"/>
+        <a:font script="Hang" typeface="맑은 고딕"/>
+        <a:font script="Hans" typeface="等线"/>
+        <a:font script="Hant" typeface="新細明體"/>
+        <a:font script="Arab" typeface="Arial"/>
+        <a:font script="Hebr" typeface="Arial"/>
+        <a:font script="Thai" typeface="Cordia New"/>
+        <a:font script="Ethi" typeface="Nyala"/>
+        <a:font script="Beng" typeface="Vrinda"/>
+        <a:font script="Gujr" typeface="Shruti"/>
+        <a:font script="Khmr" typeface="DaunPenh"/>
+        <a:font script="Knda" typeface="Tunga"/>
+        <a:font script="Guru" typeface="Raavi"/>
+        <a:font script="Cans" typeface="Euphemia"/>
+        <a:font script="Cher" typeface="Plantagenet Cherokee"/>
+        <a:font script="Yiii" typeface="Microsoft Yi Baiti"/>
+        <a:font script="Tibt" typeface="Microsoft Himalaya"/>
+        <a:font script="Thaa" typeface="MV Boli"/>
+        <a:font script="Deva" typeface="Mangal"/>
+        <a:font script="Telu" typeface="Gautami"/>
+        <a:font script="Taml" typeface="Latha"/>
+        <a:font script="Syrc" typeface="Estrangelo Edessa"/>
+        <a:font script="Orya" typeface="Kalinga"/>
+        <a:font script="Mlym" typeface="Kartika"/>
+        <a:font script="Laoo" typeface="DokChampa"/>
+        <a:font script="Sinh" typeface="Iskoola Pota"/>
+        <a:font script="Mong" typeface="Mongolian Baiti"/>
+        <a:font script="Viet" typeface="Arial"/>
+        <a:font script="Uigh" typeface="Microsoft Uighur"/>
+        <a:font script="Geor" typeface="Sylfaen"/>
+        <a:font script="Armn" typeface="Arial"/>
+        <a:font script="Bugi" typeface="Leelawadee UI"/>
+        <a:font script="Bopo" typeface="Microsoft JhengHei"/>
+        <a:font script="Java" typeface="Javanese Text"/>
+        <a:font script="Lisu" typeface="Segoe UI"/>
+        <a:font script="Mymr" typeface="Myanmar Text"/>
+        <a:font script="Nkoo" typeface="Ebrima"/>
+        <a:font script="Olck" typeface="Nirmala UI"/>
+        <a:font script="Osma" typeface="Ebrima"/>
+        <a:font script="Phag" typeface="Phagspa"/>
+        <a:font script="Syrn" typeface="Estrangelo Edessa"/>
+        <a:font script="Syrj" typeface="Estrangelo Edessa"/>
+        <a:font script="Syre" typeface="Estrangelo Edessa"/>
+        <a:font script="Sora" typeface="Nirmala UI"/>
+        <a:font script="Tale" typeface="Microsoft Tai Le"/>
+        <a:font script="Talu" typeface="Microsoft New Tai Lue"/>
+        <a:font script="Tfng" typeface="Ebrima"/>
+      </a:minorFont>
+    </a:fontScheme>
+    <a:fmtScheme name="Office">
+      <a:fillStyleLst>
+        <a:solidFill>
+          <a:schemeClr val="phClr"/>
+        </a:solidFill>
+        <a:gradFill rotWithShape="1">
+          <a:gsLst>
+            <a:gs pos="0">
+              <a:schemeClr val="phClr">
+                <a:lumMod val="110000"/>
+                <a:satMod val="105000"/>
+                <a:tint val="67000"/>
+              </a:schemeClr>
+            </a:gs>
+            <a:gs pos="50000">
+              <a:schemeClr val="phClr">
+                <a:lumMod val="105000"/>
+                <a:satMod val="103000"/>
+                <a:tint val="73000"/>
+              </a:schemeClr>
+            </a:gs>
+            <a:gs pos="100000">
+              <a:schemeClr val="phClr">
+                <a:lumMod val="105000"/>
+                <a:satMod val="109000"/>
+                <a:tint val="81000"/>
+              </a:schemeClr>
+            </a:gs>
+          </a:gsLst>
+          <a:lin ang="5400000" scaled="0"/>
+        </a:gradFill>
+        <a:gradFill rotWithShape="1">
+          <a:gsLst>
+            <a:gs pos="0">
+              <a:schemeClr val="phClr">
+                <a:satMod val="103000"/>
+                <a:lumMod val="102000"/>
+                <a:tint val="94000"/>
+              </a:schemeClr>
+            </a:gs>
+            <a:gs pos="50000">
+              <a:schemeClr val="phClr">
+                <a:satMod val="110000"/>
+                <a:lumMod val="100000"/>
+                <a:shade val="100000"/>
+              </a:schemeClr>
+            </a:gs>
+            <a:gs pos="100000">
+              <a:schemeClr val="phClr">
+                <a:lumMod val="99000"/>
+                <a:satMod val="120000"/>
+                <a:shade val="78000"/>
+              </a:schemeClr>
+            </a:gs>
+          </a:gsLst>
+          <a:lin ang="5400000" scaled="0"/>
+        </a:gradFill>
+      </a:fillStyleLst>
+      <a:lnStyleLst>
+        <a:ln w="6350" cap="flat" cmpd="sng" algn="ctr">
+          <a:solidFill>
+            <a:schemeClr val="phClr"/>
+          </a:solidFill>
+          <a:prstDash val="solid"/>
+          <a:miter lim="800000"/>
+        </a:ln>
+        <a:ln w="12700" cap="flat" cmpd="sng" algn="ctr">
+          <a:solidFill>
+            <a:schemeClr val="phClr"/>
+          </a:solidFill>
+          <a:prstDash val="solid"/>
+          <a:miter lim="800000"/>
+        </a:ln>
+        <a:ln w="19050" cap="flat" cmpd="sng" algn="ctr">
+          <a:solidFill>
+            <a:schemeClr val="phClr"/>
+          </a:solidFill>
+          <a:prstDash val="solid"/>
+          <a:miter lim="800000"/>
+        </a:ln>
+      </a:lnStyleLst>
+      <a:effectStyleLst>
+        <a:effectStyle>
+          <a:effectLst/>
+        </a:effectStyle>
+        <a:effectStyle>
+          <a:effectLst/>
+        </a:effectStyle>
+        <a:effectStyle>
+          <a:effectLst>
+            <a:outerShdw blurRad="57150" dist="19050" dir="5400000" algn="ctr" rotWithShape="0">
+              <a:srgbClr val="000000">
+                <a:alpha val="63000"/>
+              </a:srgbClr>
+            </a:outerShdw>
+          </a:effectLst>
+        </a:effectStyle>
+      </a:effectStyleLst>
+      <a:bgFillStyleLst>
+        <a:solidFill>
+          <a:schemeClr val="phClr"/>
+        </a:solidFill>
+        <a:solidFill>
+          <a:schemeClr val="phClr">
+            <a:tint val="95000"/>
+            <a:satMod val="170000"/>
+          </a:schemeClr>
+        </a:solidFill>
+        <a:gradFill rotWithShape="1">
+          <a:gsLst>
+            <a:gs pos="0">
+              <a:schemeClr val="phClr">
+                <a:tint val="93000"/>
+                <a:satMod val="150000"/>
+                <a:shade val="98000"/>
+                <a:lumMod val="102000"/>
+              </a:schemeClr>
+            </a:gs>
+            <a:gs pos="50000">
+              <a:schemeClr val="phClr">
+                <a:tint val="98000"/>
+                <a:satMod val="130000"/>
+                <a:shade val="90000"/>
+                <a:lumMod val="103000"/>
+              </a:schemeClr>
+            </a:gs>
+            <a:gs pos="100000">
+              <a:schemeClr val="phClr">
+                <a:shade val="63000"/>
+                <a:satMod val="120000"/>
+              </a:schemeClr>
+            </a:gs>
+          </a:gsLst>
+          <a:lin ang="5400000" scaled="0"/>
+        </a:gradFill>
+      </a:bgFillStyleLst>
+    </a:fmtScheme>
+  </a:themeElements>
+  <a:objectDefaults/>
+  <a:extraClrSchemeLst/>
+  <a:extLst>
+    <a:ext uri="{05A4C25C-085E-4340-85A3-A5531E510DB2}">
+      <thm15:themeFamily xmlns:thm15="http://schemas.microsoft.com/office/thememl/2012/main" name="Office Theme" id="{62F939B6-93AF-4DB8-9C6B-D6C7DFDC589F}" vid="{4A3C46E8-61CC-4603-A589-7422A47A8E4A}"/>
+    </a:ext>
+  </a:extLst>
+</a:theme>
 </file>
--- a/list of content.pptx
+++ b/list of content.pptx
@@ -5,7 +5,7 @@
     <p:sldMasterId id="2147483648" r:id="rId1"/>
   </p:sldMasterIdLst>
   <p:notesMasterIdLst>
-    <p:notesMasterId r:id="rId8"/>
+    <p:notesMasterId r:id="rId9"/>
   </p:notesMasterIdLst>
   <p:sldIdLst>
     <p:sldId id="256" r:id="rId2"/>
@@ -14,6 +14,7 @@
     <p:sldId id="259" r:id="rId5"/>
     <p:sldId id="260" r:id="rId6"/>
     <p:sldId id="261" r:id="rId7"/>
+    <p:sldId id="262" r:id="rId8"/>
   </p:sldIdLst>
   <p:sldSz cx="12192000" cy="6858000"/>
   <p:notesSz cx="6858000" cy="9144000"/>
@@ -202,7 +203,7 @@
           <a:p>
             <a:fld id="{93FDB545-12BD-49DB-BB1F-990D82B6714A}" type="datetimeFigureOut">
               <a:rPr lang="en-US" smtClean="0"/>
-              <a:t>4/29/2025</a:t>
+              <a:t>4/30/2025</a:t>
             </a:fld>
             <a:endParaRPr lang="en-US"/>
           </a:p>
@@ -702,7 +703,7 @@
           <a:p>
             <a:fld id="{050A5A58-8BC4-784F-BC52-66E2DF9AEBAB}" type="datetimeFigureOut">
               <a:rPr lang="en-IR" smtClean="0"/>
-              <a:t>04/29/2025</a:t>
+              <a:t>04/30/2025</a:t>
             </a:fld>
             <a:endParaRPr lang="en-IR"/>
           </a:p>
@@ -902,7 +903,7 @@
           <a:p>
             <a:fld id="{050A5A58-8BC4-784F-BC52-66E2DF9AEBAB}" type="datetimeFigureOut">
               <a:rPr lang="en-IR" smtClean="0"/>
-              <a:t>04/29/2025</a:t>
+              <a:t>04/30/2025</a:t>
             </a:fld>
             <a:endParaRPr lang="en-IR"/>
           </a:p>
@@ -1112,7 +1113,7 @@
           <a:p>
             <a:fld id="{050A5A58-8BC4-784F-BC52-66E2DF9AEBAB}" type="datetimeFigureOut">
               <a:rPr lang="en-IR" smtClean="0"/>
-              <a:t>04/29/2025</a:t>
+              <a:t>04/30/2025</a:t>
             </a:fld>
             <a:endParaRPr lang="en-IR"/>
           </a:p>
@@ -1312,7 +1313,7 @@
           <a:p>
             <a:fld id="{050A5A58-8BC4-784F-BC52-66E2DF9AEBAB}" type="datetimeFigureOut">
               <a:rPr lang="en-IR" smtClean="0"/>
-              <a:t>04/29/2025</a:t>
+              <a:t>04/30/2025</a:t>
             </a:fld>
             <a:endParaRPr lang="en-IR"/>
           </a:p>
@@ -1588,7 +1589,7 @@
           <a:p>
             <a:fld id="{050A5A58-8BC4-784F-BC52-66E2DF9AEBAB}" type="datetimeFigureOut">
               <a:rPr lang="en-IR" smtClean="0"/>
-              <a:t>04/29/2025</a:t>
+              <a:t>04/30/2025</a:t>
             </a:fld>
             <a:endParaRPr lang="en-IR"/>
           </a:p>
@@ -1856,7 +1857,7 @@
           <a:p>
             <a:fld id="{050A5A58-8BC4-784F-BC52-66E2DF9AEBAB}" type="datetimeFigureOut">
               <a:rPr lang="en-IR" smtClean="0"/>
-              <a:t>04/29/2025</a:t>
+              <a:t>04/30/2025</a:t>
             </a:fld>
             <a:endParaRPr lang="en-IR"/>
           </a:p>
@@ -2271,7 +2272,7 @@
           <a:p>
             <a:fld id="{050A5A58-8BC4-784F-BC52-66E2DF9AEBAB}" type="datetimeFigureOut">
               <a:rPr lang="en-IR" smtClean="0"/>
-              <a:t>04/29/2025</a:t>
+              <a:t>04/30/2025</a:t>
             </a:fld>
             <a:endParaRPr lang="en-IR"/>
           </a:p>
@@ -2413,7 +2414,7 @@
           <a:p>
             <a:fld id="{050A5A58-8BC4-784F-BC52-66E2DF9AEBAB}" type="datetimeFigureOut">
               <a:rPr lang="en-IR" smtClean="0"/>
-              <a:t>04/29/2025</a:t>
+              <a:t>04/30/2025</a:t>
             </a:fld>
             <a:endParaRPr lang="en-IR"/>
           </a:p>
@@ -2526,7 +2527,7 @@
           <a:p>
             <a:fld id="{050A5A58-8BC4-784F-BC52-66E2DF9AEBAB}" type="datetimeFigureOut">
               <a:rPr lang="en-IR" smtClean="0"/>
-              <a:t>04/29/2025</a:t>
+              <a:t>04/30/2025</a:t>
             </a:fld>
             <a:endParaRPr lang="en-IR"/>
           </a:p>
@@ -2839,7 +2840,7 @@
           <a:p>
             <a:fld id="{050A5A58-8BC4-784F-BC52-66E2DF9AEBAB}" type="datetimeFigureOut">
               <a:rPr lang="en-IR" smtClean="0"/>
-              <a:t>04/29/2025</a:t>
+              <a:t>04/30/2025</a:t>
             </a:fld>
             <a:endParaRPr lang="en-IR"/>
           </a:p>
@@ -3128,7 +3129,7 @@
           <a:p>
             <a:fld id="{050A5A58-8BC4-784F-BC52-66E2DF9AEBAB}" type="datetimeFigureOut">
               <a:rPr lang="en-IR" smtClean="0"/>
-              <a:t>04/29/2025</a:t>
+              <a:t>04/30/2025</a:t>
             </a:fld>
             <a:endParaRPr lang="en-IR"/>
           </a:p>
@@ -3371,7 +3372,7 @@
           <a:p>
             <a:fld id="{050A5A58-8BC4-784F-BC52-66E2DF9AEBAB}" type="datetimeFigureOut">
               <a:rPr lang="en-IR" smtClean="0"/>
-              <a:t>04/29/2025</a:t>
+              <a:t>04/30/2025</a:t>
             </a:fld>
             <a:endParaRPr lang="en-IR"/>
           </a:p>
@@ -5263,17 +5264,237 @@
               <a:t> </a:t>
             </a:r>
             <a:r>
-              <a:rPr lang="en-IR" sz="2800"/>
+              <a:rPr lang="en-IR" sz="2800" dirty="0"/>
               <a:t>EVENT</a:t>
             </a:r>
+          </a:p>
+        </p:txBody>
+      </p:sp>
+      <p:sp>
+        <p:nvSpPr>
+          <p:cNvPr id="2" name="TextBox 1">
+            <a:extLst>
+              <a:ext uri="{FF2B5EF4-FFF2-40B4-BE49-F238E27FC236}">
+                <a16:creationId xmlns:a16="http://schemas.microsoft.com/office/drawing/2014/main" id="{DEC04574-958F-5276-7AB2-35E0BEA81E62}"/>
+              </a:ext>
+            </a:extLst>
+          </p:cNvPr>
+          <p:cNvSpPr txBox="1"/>
+          <p:nvPr/>
+        </p:nvSpPr>
+        <p:spPr>
+          <a:xfrm>
+            <a:off x="6248400" y="661544"/>
+            <a:ext cx="5569058" cy="1015663"/>
+          </a:xfrm>
+          <a:prstGeom prst="rect">
+            <a:avLst/>
+          </a:prstGeom>
+          <a:noFill/>
+        </p:spPr>
+        <p:txBody>
+          <a:bodyPr wrap="square" rtlCol="0">
+            <a:spAutoFit/>
+          </a:bodyPr>
+          <a:lstStyle/>
+          <a:p>
+            <a:r>
+              <a:rPr lang="en-IR" sz="3200" b="1" dirty="0"/>
+              <a:t>Sec_</a:t>
+            </a:r>
+            <a:r>
+              <a:rPr lang="en-US" sz="3200" b="1" dirty="0"/>
+              <a:t>10</a:t>
+            </a:r>
+            <a:r>
+              <a:rPr lang="en-IR" sz="3200" b="1" dirty="0"/>
+              <a:t>:</a:t>
+            </a:r>
+            <a:r>
+              <a:rPr lang="en-US" sz="3200" b="1" dirty="0"/>
+              <a:t> (TRANSACTION) </a:t>
+            </a:r>
+            <a:endParaRPr lang="en-IR" sz="3200" b="1" dirty="0"/>
+          </a:p>
+          <a:p>
+            <a:pPr marL="457200" indent="-457200">
+              <a:buFont typeface="Arial" panose="020B0604020202020204" pitchFamily="34" charset="0"/>
+              <a:buChar char="•"/>
+            </a:pPr>
             <a:endParaRPr lang="en-IR" sz="2800" dirty="0"/>
           </a:p>
         </p:txBody>
       </p:sp>
+      <p:pic>
+        <p:nvPicPr>
+          <p:cNvPr id="5" name="Picture 4">
+            <a:extLst>
+              <a:ext uri="{FF2B5EF4-FFF2-40B4-BE49-F238E27FC236}">
+                <a16:creationId xmlns:a16="http://schemas.microsoft.com/office/drawing/2014/main" id="{BABF7E98-9C42-1A28-B2FB-78D6DC55C178}"/>
+              </a:ext>
+            </a:extLst>
+          </p:cNvPr>
+          <p:cNvPicPr>
+            <a:picLocks noChangeAspect="1"/>
+          </p:cNvPicPr>
+          <p:nvPr/>
+        </p:nvPicPr>
+        <p:blipFill>
+          <a:blip r:embed="rId2"/>
+          <a:stretch>
+            <a:fillRect/>
+          </a:stretch>
+        </p:blipFill>
+        <p:spPr>
+          <a:xfrm>
+            <a:off x="4694630" y="1798722"/>
+            <a:ext cx="7497370" cy="3260558"/>
+          </a:xfrm>
+          <a:prstGeom prst="rect">
+            <a:avLst/>
+          </a:prstGeom>
+        </p:spPr>
+      </p:pic>
     </p:spTree>
     <p:extLst>
       <p:ext uri="{BB962C8B-B14F-4D97-AF65-F5344CB8AC3E}">
         <p14:creationId xmlns:p14="http://schemas.microsoft.com/office/powerpoint/2010/main" val="1101346565"/>
+      </p:ext>
+    </p:extLst>
+  </p:cSld>
+  <p:clrMapOvr>
+    <a:masterClrMapping/>
+  </p:clrMapOvr>
+</p:sld>
+</file>
+
+<file path=ppt/slides/slide7.xml><?xml version="1.0" encoding="utf-8"?>
+<p:sld xmlns:a="http://schemas.openxmlformats.org/drawingml/2006/main" xmlns:r="http://schemas.openxmlformats.org/officeDocument/2006/relationships" xmlns:p="http://schemas.openxmlformats.org/presentationml/2006/main">
+  <p:cSld>
+    <p:spTree>
+      <p:nvGrpSpPr>
+        <p:cNvPr id="1" name=""/>
+        <p:cNvGrpSpPr/>
+        <p:nvPr/>
+      </p:nvGrpSpPr>
+      <p:grpSpPr>
+        <a:xfrm>
+          <a:off x="0" y="0"/>
+          <a:ext cx="0" cy="0"/>
+          <a:chOff x="0" y="0"/>
+          <a:chExt cx="0" cy="0"/>
+        </a:xfrm>
+      </p:grpSpPr>
+      <p:sp>
+        <p:nvSpPr>
+          <p:cNvPr id="3" name="TextBox 2">
+            <a:extLst>
+              <a:ext uri="{FF2B5EF4-FFF2-40B4-BE49-F238E27FC236}">
+                <a16:creationId xmlns:a16="http://schemas.microsoft.com/office/drawing/2014/main" id="{B160C3F9-B0F1-074C-89E7-0E4D46CFC352}"/>
+              </a:ext>
+            </a:extLst>
+          </p:cNvPr>
+          <p:cNvSpPr txBox="1"/>
+          <p:nvPr/>
+        </p:nvSpPr>
+        <p:spPr>
+          <a:xfrm>
+            <a:off x="526942" y="860162"/>
+            <a:ext cx="5569058" cy="1015663"/>
+          </a:xfrm>
+          <a:prstGeom prst="rect">
+            <a:avLst/>
+          </a:prstGeom>
+          <a:noFill/>
+        </p:spPr>
+        <p:txBody>
+          <a:bodyPr wrap="square" rtlCol="0">
+            <a:spAutoFit/>
+          </a:bodyPr>
+          <a:lstStyle/>
+          <a:p>
+            <a:r>
+              <a:rPr lang="en-IR" sz="3200" b="1" dirty="0"/>
+              <a:t>Sec_</a:t>
+            </a:r>
+            <a:r>
+              <a:rPr lang="en-US" sz="3200" b="1" dirty="0"/>
+              <a:t>11:</a:t>
+            </a:r>
+            <a:endParaRPr lang="en-IR" sz="3200" b="1" dirty="0"/>
+          </a:p>
+          <a:p>
+            <a:pPr marL="457200" indent="-457200">
+              <a:buFont typeface="Arial" panose="020B0604020202020204" pitchFamily="34" charset="0"/>
+              <a:buChar char="•"/>
+            </a:pPr>
+            <a:r>
+              <a:rPr lang="en-US" sz="2800" dirty="0"/>
+              <a:t>.</a:t>
+            </a:r>
+            <a:endParaRPr lang="en-IR" sz="2800" dirty="0"/>
+          </a:p>
+        </p:txBody>
+      </p:sp>
+      <p:sp>
+        <p:nvSpPr>
+          <p:cNvPr id="2" name="TextBox 1">
+            <a:extLst>
+              <a:ext uri="{FF2B5EF4-FFF2-40B4-BE49-F238E27FC236}">
+                <a16:creationId xmlns:a16="http://schemas.microsoft.com/office/drawing/2014/main" id="{68B40914-FC78-1947-A2FC-8B0EC381EDC3}"/>
+              </a:ext>
+            </a:extLst>
+          </p:cNvPr>
+          <p:cNvSpPr txBox="1"/>
+          <p:nvPr/>
+        </p:nvSpPr>
+        <p:spPr>
+          <a:xfrm>
+            <a:off x="5868963" y="860162"/>
+            <a:ext cx="5569058" cy="1015663"/>
+          </a:xfrm>
+          <a:prstGeom prst="rect">
+            <a:avLst/>
+          </a:prstGeom>
+          <a:noFill/>
+        </p:spPr>
+        <p:txBody>
+          <a:bodyPr wrap="square" rtlCol="0">
+            <a:spAutoFit/>
+          </a:bodyPr>
+          <a:lstStyle/>
+          <a:p>
+            <a:r>
+              <a:rPr lang="en-US" sz="3200" b="1" dirty="0"/>
+              <a:t>S</a:t>
+            </a:r>
+            <a:r>
+              <a:rPr lang="en-IR" sz="3200" b="1" dirty="0"/>
+              <a:t>ec_</a:t>
+            </a:r>
+            <a:r>
+              <a:rPr lang="en-US" sz="3200" b="1" dirty="0"/>
+              <a:t>12:</a:t>
+            </a:r>
+            <a:endParaRPr lang="en-IR" sz="3200" b="1" dirty="0"/>
+          </a:p>
+          <a:p>
+            <a:pPr marL="457200" indent="-457200">
+              <a:buFont typeface="Arial" panose="020B0604020202020204" pitchFamily="34" charset="0"/>
+              <a:buChar char="•"/>
+            </a:pPr>
+            <a:r>
+              <a:rPr lang="en-US" sz="2800" dirty="0"/>
+              <a:t>.</a:t>
+            </a:r>
+            <a:endParaRPr lang="en-IR" sz="2800" dirty="0"/>
+          </a:p>
+        </p:txBody>
+      </p:sp>
+    </p:spTree>
+    <p:extLst>
+      <p:ext uri="{BB962C8B-B14F-4D97-AF65-F5344CB8AC3E}">
+        <p14:creationId xmlns:p14="http://schemas.microsoft.com/office/powerpoint/2010/main" val="3959317680"/>
       </p:ext>
     </p:extLst>
   </p:cSld>

--- a/list of content.pptx
+++ b/list of content.pptx
@@ -5400,7 +5400,7 @@
         <p:spPr>
           <a:xfrm>
             <a:off x="526942" y="860162"/>
-            <a:ext cx="5569058" cy="1015663"/>
+            <a:ext cx="5569058" cy="2739211"/>
           </a:xfrm>
           <a:prstGeom prst="rect">
             <a:avLst/>
@@ -5419,7 +5419,7 @@
             </a:r>
             <a:r>
               <a:rPr lang="en-US" sz="3200" b="1" dirty="0"/>
-              <a:t>11:</a:t>
+              <a:t>11: (Data type)</a:t>
             </a:r>
             <a:endParaRPr lang="en-IR" sz="3200" b="1" dirty="0"/>
           </a:p>
@@ -5430,9 +5430,49 @@
             </a:pPr>
             <a:r>
               <a:rPr lang="en-US" sz="2800" dirty="0"/>
-              <a:t>.</a:t>
-            </a:r>
-            <a:endParaRPr lang="en-IR" sz="2800" dirty="0"/>
+              <a:t>String</a:t>
+            </a:r>
+          </a:p>
+          <a:p>
+            <a:pPr marL="457200" indent="-457200">
+              <a:buFont typeface="Arial" panose="020B0604020202020204" pitchFamily="34" charset="0"/>
+              <a:buChar char="•"/>
+            </a:pPr>
+            <a:r>
+              <a:rPr lang="en-US" sz="2800" dirty="0"/>
+              <a:t>Int</a:t>
+            </a:r>
+          </a:p>
+          <a:p>
+            <a:pPr marL="457200" indent="-457200">
+              <a:buFont typeface="Arial" panose="020B0604020202020204" pitchFamily="34" charset="0"/>
+              <a:buChar char="•"/>
+            </a:pPr>
+            <a:r>
+              <a:rPr lang="en-US" sz="2800" dirty="0"/>
+              <a:t>Float</a:t>
+            </a:r>
+          </a:p>
+          <a:p>
+            <a:pPr marL="457200" indent="-457200">
+              <a:buFont typeface="Arial" panose="020B0604020202020204" pitchFamily="34" charset="0"/>
+              <a:buChar char="•"/>
+            </a:pPr>
+            <a:r>
+              <a:rPr lang="en-US" sz="2800" dirty="0"/>
+              <a:t>Date</a:t>
+            </a:r>
+          </a:p>
+          <a:p>
+            <a:pPr marL="457200" indent="-457200">
+              <a:buFont typeface="Arial" panose="020B0604020202020204" pitchFamily="34" charset="0"/>
+              <a:buChar char="•"/>
+            </a:pPr>
+            <a:r>
+              <a:rPr lang="en-US" sz="2800"/>
+              <a:t>Json</a:t>
+            </a:r>
+            <a:endParaRPr lang="en-US" sz="2800" dirty="0"/>
           </a:p>
         </p:txBody>
       </p:sp>

--- a/list of content.pptx
+++ b/list of content.pptx
@@ -203,7 +203,7 @@
           <a:p>
             <a:fld id="{93FDB545-12BD-49DB-BB1F-990D82B6714A}" type="datetimeFigureOut">
               <a:rPr lang="en-US" smtClean="0"/>
-              <a:t>4/30/2025</a:t>
+              <a:t>5/1/2025</a:t>
             </a:fld>
             <a:endParaRPr lang="en-US"/>
           </a:p>
@@ -703,7 +703,7 @@
           <a:p>
             <a:fld id="{050A5A58-8BC4-784F-BC52-66E2DF9AEBAB}" type="datetimeFigureOut">
               <a:rPr lang="en-IR" smtClean="0"/>
-              <a:t>04/30/2025</a:t>
+              <a:t>05/01/2025</a:t>
             </a:fld>
             <a:endParaRPr lang="en-IR"/>
           </a:p>
@@ -903,7 +903,7 @@
           <a:p>
             <a:fld id="{050A5A58-8BC4-784F-BC52-66E2DF9AEBAB}" type="datetimeFigureOut">
               <a:rPr lang="en-IR" smtClean="0"/>
-              <a:t>04/30/2025</a:t>
+              <a:t>05/01/2025</a:t>
             </a:fld>
             <a:endParaRPr lang="en-IR"/>
           </a:p>
@@ -1113,7 +1113,7 @@
           <a:p>
             <a:fld id="{050A5A58-8BC4-784F-BC52-66E2DF9AEBAB}" type="datetimeFigureOut">
               <a:rPr lang="en-IR" smtClean="0"/>
-              <a:t>04/30/2025</a:t>
+              <a:t>05/01/2025</a:t>
             </a:fld>
             <a:endParaRPr lang="en-IR"/>
           </a:p>
@@ -1313,7 +1313,7 @@
           <a:p>
             <a:fld id="{050A5A58-8BC4-784F-BC52-66E2DF9AEBAB}" type="datetimeFigureOut">
               <a:rPr lang="en-IR" smtClean="0"/>
-              <a:t>04/30/2025</a:t>
+              <a:t>05/01/2025</a:t>
             </a:fld>
             <a:endParaRPr lang="en-IR"/>
           </a:p>
@@ -1589,7 +1589,7 @@
           <a:p>
             <a:fld id="{050A5A58-8BC4-784F-BC52-66E2DF9AEBAB}" type="datetimeFigureOut">
               <a:rPr lang="en-IR" smtClean="0"/>
-              <a:t>04/30/2025</a:t>
+              <a:t>05/01/2025</a:t>
             </a:fld>
             <a:endParaRPr lang="en-IR"/>
           </a:p>
@@ -1857,7 +1857,7 @@
           <a:p>
             <a:fld id="{050A5A58-8BC4-784F-BC52-66E2DF9AEBAB}" type="datetimeFigureOut">
               <a:rPr lang="en-IR" smtClean="0"/>
-              <a:t>04/30/2025</a:t>
+              <a:t>05/01/2025</a:t>
             </a:fld>
             <a:endParaRPr lang="en-IR"/>
           </a:p>
@@ -2272,7 +2272,7 @@
           <a:p>
             <a:fld id="{050A5A58-8BC4-784F-BC52-66E2DF9AEBAB}" type="datetimeFigureOut">
               <a:rPr lang="en-IR" smtClean="0"/>
-              <a:t>04/30/2025</a:t>
+              <a:t>05/01/2025</a:t>
             </a:fld>
             <a:endParaRPr lang="en-IR"/>
           </a:p>
@@ -2414,7 +2414,7 @@
           <a:p>
             <a:fld id="{050A5A58-8BC4-784F-BC52-66E2DF9AEBAB}" type="datetimeFigureOut">
               <a:rPr lang="en-IR" smtClean="0"/>
-              <a:t>04/30/2025</a:t>
+              <a:t>05/01/2025</a:t>
             </a:fld>
             <a:endParaRPr lang="en-IR"/>
           </a:p>
@@ -2527,7 +2527,7 @@
           <a:p>
             <a:fld id="{050A5A58-8BC4-784F-BC52-66E2DF9AEBAB}" type="datetimeFigureOut">
               <a:rPr lang="en-IR" smtClean="0"/>
-              <a:t>04/30/2025</a:t>
+              <a:t>05/01/2025</a:t>
             </a:fld>
             <a:endParaRPr lang="en-IR"/>
           </a:p>
@@ -2840,7 +2840,7 @@
           <a:p>
             <a:fld id="{050A5A58-8BC4-784F-BC52-66E2DF9AEBAB}" type="datetimeFigureOut">
               <a:rPr lang="en-IR" smtClean="0"/>
-              <a:t>04/30/2025</a:t>
+              <a:t>05/01/2025</a:t>
             </a:fld>
             <a:endParaRPr lang="en-IR"/>
           </a:p>
@@ -3129,7 +3129,7 @@
           <a:p>
             <a:fld id="{050A5A58-8BC4-784F-BC52-66E2DF9AEBAB}" type="datetimeFigureOut">
               <a:rPr lang="en-IR" smtClean="0"/>
-              <a:t>04/30/2025</a:t>
+              <a:t>05/01/2025</a:t>
             </a:fld>
             <a:endParaRPr lang="en-IR"/>
           </a:p>
@@ -3372,7 +3372,7 @@
           <a:p>
             <a:fld id="{050A5A58-8BC4-784F-BC52-66E2DF9AEBAB}" type="datetimeFigureOut">
               <a:rPr lang="en-IR" smtClean="0"/>
-              <a:t>04/30/2025</a:t>
+              <a:t>05/01/2025</a:t>
             </a:fld>
             <a:endParaRPr lang="en-IR"/>
           </a:p>
@@ -5491,7 +5491,7 @@
         <p:spPr>
           <a:xfrm>
             <a:off x="5868963" y="860162"/>
-            <a:ext cx="5569058" cy="1015663"/>
+            <a:ext cx="5569058" cy="2308324"/>
           </a:xfrm>
           <a:prstGeom prst="rect">
             <a:avLst/>
@@ -5514,7 +5514,7 @@
             </a:r>
             <a:r>
               <a:rPr lang="en-US" sz="3200" b="1" dirty="0"/>
-              <a:t>12:</a:t>
+              <a:t>12: (Database)</a:t>
             </a:r>
             <a:endParaRPr lang="en-IR" sz="3200" b="1" dirty="0"/>
           </a:p>
@@ -5524,10 +5524,42 @@
               <a:buChar char="•"/>
             </a:pPr>
             <a:r>
-              <a:rPr lang="en-US" sz="2800" dirty="0"/>
-              <a:t>.</a:t>
-            </a:r>
-            <a:endParaRPr lang="en-IR" sz="2800" dirty="0"/>
+              <a:rPr lang="en-IR" sz="2800" dirty="0"/>
+              <a:t>CREATE &amp; DROP DATABASE</a:t>
+            </a:r>
+            <a:endParaRPr lang="en-US" sz="2800" dirty="0"/>
+          </a:p>
+          <a:p>
+            <a:pPr marL="457200" indent="-457200">
+              <a:buFont typeface="Arial" panose="020B0604020202020204" pitchFamily="34" charset="0"/>
+              <a:buChar char="•"/>
+            </a:pPr>
+            <a:r>
+              <a:rPr lang="en-IR" sz="2800" dirty="0"/>
+              <a:t>CREATE &amp; DROP TABLE</a:t>
+            </a:r>
+            <a:endParaRPr lang="en-US" sz="2800" dirty="0"/>
+          </a:p>
+          <a:p>
+            <a:pPr marL="457200" indent="-457200">
+              <a:buFont typeface="Arial" panose="020B0604020202020204" pitchFamily="34" charset="0"/>
+              <a:buChar char="•"/>
+            </a:pPr>
+            <a:r>
+              <a:rPr lang="en-IR" sz="2800" dirty="0"/>
+              <a:t>ALTER TABLE</a:t>
+            </a:r>
+            <a:endParaRPr lang="en-US" sz="2800" dirty="0"/>
+          </a:p>
+          <a:p>
+            <a:pPr marL="457200" indent="-457200">
+              <a:buFont typeface="Arial" panose="020B0604020202020204" pitchFamily="34" charset="0"/>
+              <a:buChar char="•"/>
+            </a:pPr>
+            <a:r>
+              <a:rPr lang="en-IR" sz="2800" dirty="0"/>
+              <a:t>relation (FOREIGN KEY)</a:t>
+            </a:r>
           </a:p>
         </p:txBody>
       </p:sp>

--- a/list of content.pptx
+++ b/list of content.pptx
@@ -5,7 +5,7 @@
     <p:sldMasterId id="2147483648" r:id="rId1"/>
   </p:sldMasterIdLst>
   <p:notesMasterIdLst>
-    <p:notesMasterId r:id="rId9"/>
+    <p:notesMasterId r:id="rId10"/>
   </p:notesMasterIdLst>
   <p:sldIdLst>
     <p:sldId id="256" r:id="rId2"/>
@@ -15,6 +15,7 @@
     <p:sldId id="260" r:id="rId6"/>
     <p:sldId id="261" r:id="rId7"/>
     <p:sldId id="262" r:id="rId8"/>
+    <p:sldId id="263" r:id="rId9"/>
   </p:sldIdLst>
   <p:sldSz cx="12192000" cy="6858000"/>
   <p:notesSz cx="6858000" cy="9144000"/>
@@ -5567,6 +5568,172 @@
     <p:extLst>
       <p:ext uri="{BB962C8B-B14F-4D97-AF65-F5344CB8AC3E}">
         <p14:creationId xmlns:p14="http://schemas.microsoft.com/office/powerpoint/2010/main" val="3959317680"/>
+      </p:ext>
+    </p:extLst>
+  </p:cSld>
+  <p:clrMapOvr>
+    <a:masterClrMapping/>
+  </p:clrMapOvr>
+</p:sld>
+</file>
+
+<file path=ppt/slides/slide8.xml><?xml version="1.0" encoding="utf-8"?>
+<p:sld xmlns:a="http://schemas.openxmlformats.org/drawingml/2006/main" xmlns:r="http://schemas.openxmlformats.org/officeDocument/2006/relationships" xmlns:p="http://schemas.openxmlformats.org/presentationml/2006/main">
+  <p:cSld>
+    <p:spTree>
+      <p:nvGrpSpPr>
+        <p:cNvPr id="1" name=""/>
+        <p:cNvGrpSpPr/>
+        <p:nvPr/>
+      </p:nvGrpSpPr>
+      <p:grpSpPr>
+        <a:xfrm>
+          <a:off x="0" y="0"/>
+          <a:ext cx="0" cy="0"/>
+          <a:chOff x="0" y="0"/>
+          <a:chExt cx="0" cy="0"/>
+        </a:xfrm>
+      </p:grpSpPr>
+      <p:sp>
+        <p:nvSpPr>
+          <p:cNvPr id="3" name="TextBox 2">
+            <a:extLst>
+              <a:ext uri="{FF2B5EF4-FFF2-40B4-BE49-F238E27FC236}">
+                <a16:creationId xmlns:a16="http://schemas.microsoft.com/office/drawing/2014/main" id="{B160C3F9-B0F1-074C-89E7-0E4D46CFC352}"/>
+              </a:ext>
+            </a:extLst>
+          </p:cNvPr>
+          <p:cNvSpPr txBox="1"/>
+          <p:nvPr/>
+        </p:nvSpPr>
+        <p:spPr>
+          <a:xfrm>
+            <a:off x="526942" y="860162"/>
+            <a:ext cx="5569058" cy="2308324"/>
+          </a:xfrm>
+          <a:prstGeom prst="rect">
+            <a:avLst/>
+          </a:prstGeom>
+          <a:noFill/>
+        </p:spPr>
+        <p:txBody>
+          <a:bodyPr wrap="square" rtlCol="0">
+            <a:spAutoFit/>
+          </a:bodyPr>
+          <a:lstStyle/>
+          <a:p>
+            <a:r>
+              <a:rPr lang="en-IR" sz="3200" b="1" dirty="0"/>
+              <a:t>Sec_</a:t>
+            </a:r>
+            <a:r>
+              <a:rPr lang="en-US" sz="3200" b="1" dirty="0"/>
+              <a:t>13: (Index)</a:t>
+            </a:r>
+            <a:endParaRPr lang="en-IR" sz="3200" b="1" dirty="0"/>
+          </a:p>
+          <a:p>
+            <a:pPr marL="457200" indent="-457200">
+              <a:buFont typeface="Arial" panose="020B0604020202020204" pitchFamily="34" charset="0"/>
+              <a:buChar char="•"/>
+            </a:pPr>
+            <a:r>
+              <a:rPr lang="en-US" sz="2800" dirty="0"/>
+              <a:t>CREATE INDEX</a:t>
+            </a:r>
+          </a:p>
+          <a:p>
+            <a:pPr marL="457200" indent="-457200">
+              <a:buFont typeface="Arial" panose="020B0604020202020204" pitchFamily="34" charset="0"/>
+              <a:buChar char="•"/>
+            </a:pPr>
+            <a:r>
+              <a:rPr lang="en-US" sz="2800" dirty="0"/>
+              <a:t>ANALYZE</a:t>
+            </a:r>
+          </a:p>
+          <a:p>
+            <a:pPr marL="457200" indent="-457200">
+              <a:buFont typeface="Arial" panose="020B0604020202020204" pitchFamily="34" charset="0"/>
+              <a:buChar char="•"/>
+            </a:pPr>
+            <a:r>
+              <a:rPr lang="en-US" sz="2800" dirty="0"/>
+              <a:t>FULLTEXT INDEX</a:t>
+            </a:r>
+          </a:p>
+          <a:p>
+            <a:pPr marL="457200" indent="-457200">
+              <a:buFont typeface="Arial" panose="020B0604020202020204" pitchFamily="34" charset="0"/>
+              <a:buChar char="•"/>
+            </a:pPr>
+            <a:r>
+              <a:rPr lang="en-US" sz="2800"/>
+              <a:t>composite index</a:t>
+            </a:r>
+            <a:endParaRPr lang="en-US" sz="2800" dirty="0"/>
+          </a:p>
+        </p:txBody>
+      </p:sp>
+      <p:sp>
+        <p:nvSpPr>
+          <p:cNvPr id="2" name="TextBox 1">
+            <a:extLst>
+              <a:ext uri="{FF2B5EF4-FFF2-40B4-BE49-F238E27FC236}">
+                <a16:creationId xmlns:a16="http://schemas.microsoft.com/office/drawing/2014/main" id="{68B40914-FC78-1947-A2FC-8B0EC381EDC3}"/>
+              </a:ext>
+            </a:extLst>
+          </p:cNvPr>
+          <p:cNvSpPr txBox="1"/>
+          <p:nvPr/>
+        </p:nvSpPr>
+        <p:spPr>
+          <a:xfrm>
+            <a:off x="5868963" y="860162"/>
+            <a:ext cx="5569058" cy="1015663"/>
+          </a:xfrm>
+          <a:prstGeom prst="rect">
+            <a:avLst/>
+          </a:prstGeom>
+          <a:noFill/>
+        </p:spPr>
+        <p:txBody>
+          <a:bodyPr wrap="square" rtlCol="0">
+            <a:spAutoFit/>
+          </a:bodyPr>
+          <a:lstStyle/>
+          <a:p>
+            <a:r>
+              <a:rPr lang="en-US" sz="3200" b="1" dirty="0"/>
+              <a:t>S</a:t>
+            </a:r>
+            <a:r>
+              <a:rPr lang="en-IR" sz="3200" b="1" dirty="0"/>
+              <a:t>ec_</a:t>
+            </a:r>
+            <a:r>
+              <a:rPr lang="en-US" sz="3200" b="1" dirty="0"/>
+              <a:t>14: (Big data)</a:t>
+            </a:r>
+            <a:endParaRPr lang="en-IR" sz="3200" b="1" dirty="0"/>
+          </a:p>
+          <a:p>
+            <a:pPr marL="457200" indent="-457200">
+              <a:buFont typeface="Arial" panose="020B0604020202020204" pitchFamily="34" charset="0"/>
+              <a:buChar char="•"/>
+            </a:pPr>
+            <a:r>
+              <a:rPr lang="en-US" sz="2800" dirty="0"/>
+              <a:t>.</a:t>
+            </a:r>
+            <a:endParaRPr lang="en-IR" sz="2800" dirty="0"/>
+          </a:p>
+        </p:txBody>
+      </p:sp>
+    </p:spTree>
+    <p:extLst>
+      <p:ext uri="{BB962C8B-B14F-4D97-AF65-F5344CB8AC3E}">
+        <p14:creationId xmlns:p14="http://schemas.microsoft.com/office/powerpoint/2010/main" val="194734456"/>
       </p:ext>
     </p:extLst>
   </p:cSld>
